--- a/Tool_Resources/drawings.pptx
+++ b/Tool_Resources/drawings.pptx
@@ -6,6 +6,7 @@
   </p:sldMasterIdLst>
   <p:sldIdLst>
     <p:sldId id="256" r:id="rId2"/>
+    <p:sldId id="257" r:id="rId3"/>
   </p:sldIdLst>
   <p:sldSz cx="12192000" cy="6858000"/>
   <p:notesSz cx="6858000" cy="9144000"/>
@@ -104,6 +105,11 @@
       </a:defRPr>
     </a:lvl9pPr>
   </p:defaultTextStyle>
+  <p:extLst>
+    <p:ext uri="{EFAFB233-063F-42B5-8137-9DF3F51BA10A}">
+      <p15:sldGuideLst xmlns:p15="http://schemas.microsoft.com/office/powerpoint/2012/main"/>
+    </p:ext>
+  </p:extLst>
 </p:presentation>
 </file>
 
@@ -2964,35 +2970,352 @@
           <a:chExt cx="0" cy="0"/>
         </a:xfrm>
       </p:grpSpPr>
-      <mc:AlternateContent xmlns:mc="http://schemas.openxmlformats.org/markup-compatibility/2006">
-        <mc:Choice xmlns:a14="http://schemas.microsoft.com/office/drawing/2010/main" Requires="a14">
+      <p:grpSp>
+        <p:nvGrpSpPr>
+          <p:cNvPr id="27" name="Group 26"/>
+          <p:cNvGrpSpPr/>
+          <p:nvPr/>
+        </p:nvGrpSpPr>
+        <p:grpSpPr>
+          <a:xfrm>
+            <a:off x="1194422" y="1518073"/>
+            <a:ext cx="8703032" cy="2151403"/>
+            <a:chOff x="1194422" y="1518073"/>
+            <a:chExt cx="8703032" cy="2151403"/>
+          </a:xfrm>
+        </p:grpSpPr>
+        <mc:AlternateContent xmlns:mc="http://schemas.openxmlformats.org/markup-compatibility/2006" xmlns:a14="http://schemas.microsoft.com/office/drawing/2010/main">
+          <mc:Choice Requires="a14">
+            <p:sp>
+              <p:nvSpPr>
+                <p:cNvPr id="4" name="Cube 3"/>
+                <p:cNvSpPr/>
+                <p:nvPr/>
+              </p:nvSpPr>
+              <p:spPr>
+                <a:xfrm>
+                  <a:off x="4025734" y="1520042"/>
+                  <a:ext cx="3396343" cy="2149434"/>
+                </a:xfrm>
+                <a:prstGeom prst="cube">
+                  <a:avLst/>
+                </a:prstGeom>
+              </p:spPr>
+              <p:style>
+                <a:lnRef idx="1">
+                  <a:schemeClr val="accent3"/>
+                </a:lnRef>
+                <a:fillRef idx="2">
+                  <a:schemeClr val="accent3"/>
+                </a:fillRef>
+                <a:effectRef idx="1">
+                  <a:schemeClr val="accent3"/>
+                </a:effectRef>
+                <a:fontRef idx="minor">
+                  <a:schemeClr val="dk1"/>
+                </a:fontRef>
+              </p:style>
+              <p:txBody>
+                <a:bodyPr rtlCol="0" anchor="ctr"/>
+                <a:lstStyle/>
+                <a:p>
+                  <a:pPr algn="ctr"/>
+                  <a14:m>
+                    <m:oMathPara xmlns:m="http://schemas.openxmlformats.org/officeDocument/2006/math">
+                      <m:oMathParaPr>
+                        <m:jc m:val="centerGroup"/>
+                      </m:oMathParaPr>
+                      <m:oMath xmlns:m="http://schemas.openxmlformats.org/officeDocument/2006/math">
+                        <m:acc>
+                          <m:accPr>
+                            <m:chr m:val="⃗"/>
+                            <m:ctrlPr>
+                              <a:rPr lang="es-ES" sz="4000" b="0" i="1" smtClean="0">
+                                <a:latin typeface="Cambria Math" charset="0"/>
+                              </a:rPr>
+                            </m:ctrlPr>
+                          </m:accPr>
+                          <m:e>
+                            <m:r>
+                              <a:rPr lang="es-ES" sz="4000" b="0" i="1" smtClean="0">
+                                <a:latin typeface="Cambria Math" charset="0"/>
+                              </a:rPr>
+                              <m:t>𝑓</m:t>
+                            </m:r>
+                          </m:e>
+                        </m:acc>
+                        <m:r>
+                          <a:rPr lang="es-ES" sz="4000" b="0" i="1" smtClean="0">
+                            <a:latin typeface="Cambria Math" charset="0"/>
+                          </a:rPr>
+                          <m:t>(</m:t>
+                        </m:r>
+                        <m:acc>
+                          <m:accPr>
+                            <m:chr m:val="⃗"/>
+                            <m:ctrlPr>
+                              <a:rPr lang="es-ES" sz="4000" b="0" i="1" smtClean="0">
+                                <a:latin typeface="Cambria Math" charset="0"/>
+                              </a:rPr>
+                            </m:ctrlPr>
+                          </m:accPr>
+                          <m:e>
+                            <m:r>
+                              <a:rPr lang="es-ES" sz="4000" b="0" i="1" smtClean="0">
+                                <a:latin typeface="Cambria Math" charset="0"/>
+                              </a:rPr>
+                              <m:t>𝑥</m:t>
+                            </m:r>
+                          </m:e>
+                        </m:acc>
+                        <m:r>
+                          <a:rPr lang="es-ES" sz="4000" b="0" i="1" smtClean="0">
+                            <a:latin typeface="Cambria Math" charset="0"/>
+                          </a:rPr>
+                          <m:t>)</m:t>
+                        </m:r>
+                      </m:oMath>
+                    </m:oMathPara>
+                  </a14:m>
+                  <a:endParaRPr lang="en-US" sz="4000" dirty="0"/>
+                </a:p>
+              </p:txBody>
+            </p:sp>
+          </mc:Choice>
+          <mc:Fallback xmlns="">
+            <p:sp>
+              <p:nvSpPr>
+                <p:cNvPr id="4" name="Cube 3"/>
+                <p:cNvSpPr>
+                  <a:spLocks noRot="1" noChangeAspect="1" noMove="1" noResize="1" noEditPoints="1" noAdjustHandles="1" noChangeArrowheads="1" noChangeShapeType="1" noTextEdit="1"/>
+                </p:cNvSpPr>
+                <p:nvPr/>
+              </p:nvSpPr>
+              <p:spPr>
+                <a:xfrm>
+                  <a:off x="4025734" y="1520042"/>
+                  <a:ext cx="3396343" cy="2149434"/>
+                </a:xfrm>
+                <a:prstGeom prst="cube">
+                  <a:avLst/>
+                </a:prstGeom>
+                <a:blipFill rotWithShape="0">
+                  <a:blip r:embed="rId2"/>
+                  <a:stretch>
+                    <a:fillRect/>
+                  </a:stretch>
+                </a:blipFill>
+              </p:spPr>
+              <p:txBody>
+                <a:bodyPr/>
+                <a:lstStyle/>
+                <a:p>
+                  <a:r>
+                    <a:rPr lang="en-US">
+                      <a:noFill/>
+                    </a:rPr>
+                    <a:t> </a:t>
+                  </a:r>
+                </a:p>
+              </p:txBody>
+            </p:sp>
+          </mc:Fallback>
+        </mc:AlternateContent>
+        <p:cxnSp>
+          <p:nvCxnSpPr>
+            <p:cNvPr id="6" name="Straight Arrow Connector 5"/>
+            <p:cNvCxnSpPr/>
+            <p:nvPr/>
+          </p:nvCxnSpPr>
+          <p:spPr>
+            <a:xfrm flipV="1">
+              <a:off x="2291938" y="2137558"/>
+              <a:ext cx="1733796" cy="11876"/>
+            </a:xfrm>
+            <a:prstGeom prst="straightConnector1">
+              <a:avLst/>
+            </a:prstGeom>
+            <a:ln w="38100">
+              <a:solidFill>
+                <a:schemeClr val="tx1"/>
+              </a:solidFill>
+              <a:tailEnd type="triangle"/>
+            </a:ln>
+          </p:spPr>
+          <p:style>
+            <a:lnRef idx="2">
+              <a:schemeClr val="accent1"/>
+            </a:lnRef>
+            <a:fillRef idx="0">
+              <a:schemeClr val="accent1"/>
+            </a:fillRef>
+            <a:effectRef idx="1">
+              <a:schemeClr val="accent1"/>
+            </a:effectRef>
+            <a:fontRef idx="minor">
+              <a:schemeClr val="tx1"/>
+            </a:fontRef>
+          </p:style>
+        </p:cxnSp>
+        <p:cxnSp>
+          <p:nvCxnSpPr>
+            <p:cNvPr id="7" name="Straight Arrow Connector 6"/>
+            <p:cNvCxnSpPr/>
+            <p:nvPr/>
+          </p:nvCxnSpPr>
+          <p:spPr>
+            <a:xfrm flipV="1">
+              <a:off x="2291938" y="3332946"/>
+              <a:ext cx="1733796" cy="11876"/>
+            </a:xfrm>
+            <a:prstGeom prst="straightConnector1">
+              <a:avLst/>
+            </a:prstGeom>
+            <a:ln w="38100">
+              <a:solidFill>
+                <a:schemeClr val="tx1"/>
+              </a:solidFill>
+              <a:tailEnd type="triangle"/>
+            </a:ln>
+          </p:spPr>
+          <p:style>
+            <a:lnRef idx="2">
+              <a:schemeClr val="accent1"/>
+            </a:lnRef>
+            <a:fillRef idx="0">
+              <a:schemeClr val="accent1"/>
+            </a:fillRef>
+            <a:effectRef idx="1">
+              <a:schemeClr val="accent1"/>
+            </a:effectRef>
+            <a:fontRef idx="minor">
+              <a:schemeClr val="tx1"/>
+            </a:fontRef>
+          </p:style>
+        </p:cxnSp>
+        <p:cxnSp>
+          <p:nvCxnSpPr>
+            <p:cNvPr id="8" name="Straight Arrow Connector 7"/>
+            <p:cNvCxnSpPr/>
+            <p:nvPr/>
+          </p:nvCxnSpPr>
+          <p:spPr>
+            <a:xfrm flipV="1">
+              <a:off x="7030625" y="2125682"/>
+              <a:ext cx="1733796" cy="11876"/>
+            </a:xfrm>
+            <a:prstGeom prst="straightConnector1">
+              <a:avLst/>
+            </a:prstGeom>
+            <a:ln w="38100">
+              <a:solidFill>
+                <a:schemeClr val="tx1"/>
+              </a:solidFill>
+              <a:tailEnd type="triangle"/>
+            </a:ln>
+          </p:spPr>
+          <p:style>
+            <a:lnRef idx="2">
+              <a:schemeClr val="accent1"/>
+            </a:lnRef>
+            <a:fillRef idx="0">
+              <a:schemeClr val="accent1"/>
+            </a:fillRef>
+            <a:effectRef idx="1">
+              <a:schemeClr val="accent1"/>
+            </a:effectRef>
+            <a:fontRef idx="minor">
+              <a:schemeClr val="tx1"/>
+            </a:fontRef>
+          </p:style>
+        </p:cxnSp>
+        <p:cxnSp>
+          <p:nvCxnSpPr>
+            <p:cNvPr id="9" name="Straight Arrow Connector 8"/>
+            <p:cNvCxnSpPr/>
+            <p:nvPr/>
+          </p:nvCxnSpPr>
+          <p:spPr>
+            <a:xfrm flipV="1">
+              <a:off x="7030625" y="3321070"/>
+              <a:ext cx="1733796" cy="11876"/>
+            </a:xfrm>
+            <a:prstGeom prst="straightConnector1">
+              <a:avLst/>
+            </a:prstGeom>
+            <a:ln w="38100">
+              <a:solidFill>
+                <a:schemeClr val="tx1"/>
+              </a:solidFill>
+              <a:tailEnd type="triangle"/>
+            </a:ln>
+          </p:spPr>
+          <p:style>
+            <a:lnRef idx="2">
+              <a:schemeClr val="accent1"/>
+            </a:lnRef>
+            <a:fillRef idx="0">
+              <a:schemeClr val="accent1"/>
+            </a:fillRef>
+            <a:effectRef idx="1">
+              <a:schemeClr val="accent1"/>
+            </a:effectRef>
+            <a:fontRef idx="minor">
+              <a:schemeClr val="tx1"/>
+            </a:fontRef>
+          </p:style>
+        </p:cxnSp>
+        <p:grpSp>
+          <p:nvGrpSpPr>
+            <p:cNvPr id="13" name="Group 12"/>
+            <p:cNvGrpSpPr/>
+            <p:nvPr/>
+          </p:nvGrpSpPr>
+          <p:grpSpPr>
+            <a:xfrm>
+              <a:off x="3065968" y="2308394"/>
+              <a:ext cx="185737" cy="917111"/>
+              <a:chOff x="1614488" y="2046118"/>
+              <a:chExt cx="185737" cy="917111"/>
+            </a:xfrm>
+          </p:grpSpPr>
           <p:sp>
             <p:nvSpPr>
-              <p:cNvPr id="4" name="Cube 3"/>
+              <p:cNvPr id="10" name="Oval 9"/>
               <p:cNvSpPr/>
               <p:nvPr/>
             </p:nvSpPr>
             <p:spPr>
               <a:xfrm>
-                <a:off x="4025734" y="1520042"/>
-                <a:ext cx="3396343" cy="2149434"/>
+                <a:off x="1614488" y="2414588"/>
+                <a:ext cx="185737" cy="180171"/>
               </a:xfrm>
-              <a:prstGeom prst="cube">
+              <a:prstGeom prst="ellipse">
                 <a:avLst/>
               </a:prstGeom>
+              <a:solidFill>
+                <a:schemeClr val="tx1"/>
+              </a:solidFill>
+              <a:ln>
+                <a:solidFill>
+                  <a:schemeClr val="tx1"/>
+                </a:solidFill>
+              </a:ln>
             </p:spPr>
             <p:style>
-              <a:lnRef idx="1">
-                <a:schemeClr val="accent3"/>
+              <a:lnRef idx="2">
+                <a:schemeClr val="accent1">
+                  <a:shade val="50000"/>
+                </a:schemeClr>
               </a:lnRef>
-              <a:fillRef idx="2">
-                <a:schemeClr val="accent3"/>
+              <a:fillRef idx="1">
+                <a:schemeClr val="accent1"/>
               </a:fillRef>
-              <a:effectRef idx="1">
-                <a:schemeClr val="accent3"/>
+              <a:effectRef idx="0">
+                <a:schemeClr val="accent1"/>
               </a:effectRef>
               <a:fontRef idx="minor">
-                <a:schemeClr val="dk1"/>
+                <a:schemeClr val="lt1"/>
               </a:fontRef>
             </p:style>
             <p:txBody>
@@ -3000,117 +3323,1134 @@
               <a:lstStyle/>
               <a:p>
                 <a:pPr algn="ctr"/>
-                <a14:m>
-                  <m:oMathPara xmlns:m="http://schemas.openxmlformats.org/officeDocument/2006/math">
-                    <m:oMathParaPr>
-                      <m:jc m:val="centerGroup"/>
-                    </m:oMathParaPr>
-                    <m:oMath xmlns:m="http://schemas.openxmlformats.org/officeDocument/2006/math">
-                      <m:acc>
-                        <m:accPr>
-                          <m:chr m:val="⃗"/>
-                          <m:ctrlPr>
-                            <a:rPr lang="es-ES" b="0" i="1" smtClean="0">
-                              <a:latin typeface="Cambria Math" charset="0"/>
-                            </a:rPr>
-                          </m:ctrlPr>
-                        </m:accPr>
-                        <m:e>
-                          <m:r>
-                            <a:rPr lang="es-ES" b="0" i="1" smtClean="0">
-                              <a:latin typeface="Cambria Math" charset="0"/>
-                            </a:rPr>
-                            <m:t>𝑓</m:t>
-                          </m:r>
-                        </m:e>
-                      </m:acc>
-                      <m:r>
-                        <a:rPr lang="es-ES" b="0" i="1" smtClean="0">
-                          <a:latin typeface="Cambria Math" charset="0"/>
-                        </a:rPr>
-                        <m:t>(</m:t>
-                      </m:r>
-                      <m:acc>
-                        <m:accPr>
-                          <m:chr m:val="⃗"/>
-                          <m:ctrlPr>
-                            <a:rPr lang="es-ES" b="0" i="1" smtClean="0">
-                              <a:latin typeface="Cambria Math" charset="0"/>
-                            </a:rPr>
-                          </m:ctrlPr>
-                        </m:accPr>
-                        <m:e>
-                          <m:r>
-                            <a:rPr lang="es-ES" b="0" i="1" smtClean="0">
-                              <a:latin typeface="Cambria Math" charset="0"/>
-                            </a:rPr>
-                            <m:t>𝑥</m:t>
-                          </m:r>
-                        </m:e>
-                      </m:acc>
-                      <m:r>
-                        <a:rPr lang="es-ES" b="0" i="1" smtClean="0">
-                          <a:latin typeface="Cambria Math" charset="0"/>
-                        </a:rPr>
-                        <m:t>)</m:t>
-                      </m:r>
-                    </m:oMath>
-                  </m:oMathPara>
-                </a14:m>
-                <a:endParaRPr lang="en-US" dirty="0"/>
+                <a:endParaRPr lang="en-US"/>
               </a:p>
             </p:txBody>
           </p:sp>
-        </mc:Choice>
-        <mc:Fallback>
           <p:sp>
             <p:nvSpPr>
-              <p:cNvPr id="4" name="Cube 3"/>
+              <p:cNvPr id="11" name="Oval 10"/>
               <p:cNvSpPr>
-                <a:spLocks noRot="1" noChangeAspect="1" noMove="1" noResize="1" noEditPoints="1" noAdjustHandles="1" noChangeArrowheads="1" noChangeShapeType="1" noTextEdit="1"/>
+                <a:spLocks/>
               </p:cNvSpPr>
               <p:nvPr/>
             </p:nvSpPr>
             <p:spPr>
               <a:xfrm>
-                <a:off x="4025734" y="1520042"/>
-                <a:ext cx="3396343" cy="2149434"/>
+                <a:off x="1617345" y="2046118"/>
+                <a:ext cx="182880" cy="182880"/>
               </a:xfrm>
-              <a:prstGeom prst="cube">
+              <a:prstGeom prst="ellipse">
                 <a:avLst/>
               </a:prstGeom>
-              <a:blipFill rotWithShape="0">
-                <a:blip r:embed="rId2"/>
-                <a:stretch>
-                  <a:fillRect/>
-                </a:stretch>
-              </a:blipFill>
+              <a:solidFill>
+                <a:schemeClr val="tx1"/>
+              </a:solidFill>
+              <a:ln>
+                <a:solidFill>
+                  <a:schemeClr val="tx1"/>
+                </a:solidFill>
+              </a:ln>
             </p:spPr>
+            <p:style>
+              <a:lnRef idx="2">
+                <a:schemeClr val="accent1">
+                  <a:shade val="50000"/>
+                </a:schemeClr>
+              </a:lnRef>
+              <a:fillRef idx="1">
+                <a:schemeClr val="accent1"/>
+              </a:fillRef>
+              <a:effectRef idx="0">
+                <a:schemeClr val="accent1"/>
+              </a:effectRef>
+              <a:fontRef idx="minor">
+                <a:schemeClr val="lt1"/>
+              </a:fontRef>
+            </p:style>
             <p:txBody>
-              <a:bodyPr/>
+              <a:bodyPr rtlCol="0" anchor="ctr"/>
               <a:lstStyle/>
               <a:p>
-                <a:r>
-                  <a:rPr lang="en-US">
-                    <a:noFill/>
-                  </a:rPr>
-                  <a:t> </a:t>
-                </a:r>
+                <a:pPr algn="ctr"/>
+                <a:endParaRPr lang="en-US"/>
               </a:p>
             </p:txBody>
           </p:sp>
-        </mc:Fallback>
-      </mc:AlternateContent>
+          <p:sp>
+            <p:nvSpPr>
+              <p:cNvPr id="12" name="Oval 11"/>
+              <p:cNvSpPr>
+                <a:spLocks/>
+              </p:cNvSpPr>
+              <p:nvPr/>
+            </p:nvSpPr>
+            <p:spPr>
+              <a:xfrm>
+                <a:off x="1614488" y="2780349"/>
+                <a:ext cx="182880" cy="182880"/>
+              </a:xfrm>
+              <a:prstGeom prst="ellipse">
+                <a:avLst/>
+              </a:prstGeom>
+              <a:solidFill>
+                <a:schemeClr val="tx1"/>
+              </a:solidFill>
+              <a:ln>
+                <a:solidFill>
+                  <a:schemeClr val="tx1"/>
+                </a:solidFill>
+              </a:ln>
+            </p:spPr>
+            <p:style>
+              <a:lnRef idx="2">
+                <a:schemeClr val="accent1">
+                  <a:shade val="50000"/>
+                </a:schemeClr>
+              </a:lnRef>
+              <a:fillRef idx="1">
+                <a:schemeClr val="accent1"/>
+              </a:fillRef>
+              <a:effectRef idx="0">
+                <a:schemeClr val="accent1"/>
+              </a:effectRef>
+              <a:fontRef idx="minor">
+                <a:schemeClr val="lt1"/>
+              </a:fontRef>
+            </p:style>
+            <p:txBody>
+              <a:bodyPr rtlCol="0" anchor="ctr"/>
+              <a:lstStyle/>
+              <a:p>
+                <a:pPr algn="ctr"/>
+                <a:endParaRPr lang="en-US"/>
+              </a:p>
+            </p:txBody>
+          </p:sp>
+        </p:grpSp>
+        <p:grpSp>
+          <p:nvGrpSpPr>
+            <p:cNvPr id="14" name="Group 13"/>
+            <p:cNvGrpSpPr/>
+            <p:nvPr/>
+          </p:nvGrpSpPr>
+          <p:grpSpPr>
+            <a:xfrm>
+              <a:off x="7814643" y="2265065"/>
+              <a:ext cx="185737" cy="917111"/>
+              <a:chOff x="1614488" y="2046118"/>
+              <a:chExt cx="185737" cy="917111"/>
+            </a:xfrm>
+          </p:grpSpPr>
+          <p:sp>
+            <p:nvSpPr>
+              <p:cNvPr id="15" name="Oval 14"/>
+              <p:cNvSpPr/>
+              <p:nvPr/>
+            </p:nvSpPr>
+            <p:spPr>
+              <a:xfrm>
+                <a:off x="1614488" y="2414588"/>
+                <a:ext cx="185737" cy="180171"/>
+              </a:xfrm>
+              <a:prstGeom prst="ellipse">
+                <a:avLst/>
+              </a:prstGeom>
+              <a:solidFill>
+                <a:schemeClr val="tx1"/>
+              </a:solidFill>
+              <a:ln>
+                <a:solidFill>
+                  <a:schemeClr val="tx1"/>
+                </a:solidFill>
+              </a:ln>
+            </p:spPr>
+            <p:style>
+              <a:lnRef idx="2">
+                <a:schemeClr val="accent1">
+                  <a:shade val="50000"/>
+                </a:schemeClr>
+              </a:lnRef>
+              <a:fillRef idx="1">
+                <a:schemeClr val="accent1"/>
+              </a:fillRef>
+              <a:effectRef idx="0">
+                <a:schemeClr val="accent1"/>
+              </a:effectRef>
+              <a:fontRef idx="minor">
+                <a:schemeClr val="lt1"/>
+              </a:fontRef>
+            </p:style>
+            <p:txBody>
+              <a:bodyPr rtlCol="0" anchor="ctr"/>
+              <a:lstStyle/>
+              <a:p>
+                <a:pPr algn="ctr"/>
+                <a:endParaRPr lang="en-US"/>
+              </a:p>
+            </p:txBody>
+          </p:sp>
+          <p:sp>
+            <p:nvSpPr>
+              <p:cNvPr id="16" name="Oval 15"/>
+              <p:cNvSpPr>
+                <a:spLocks/>
+              </p:cNvSpPr>
+              <p:nvPr/>
+            </p:nvSpPr>
+            <p:spPr>
+              <a:xfrm>
+                <a:off x="1617345" y="2046118"/>
+                <a:ext cx="182880" cy="182880"/>
+              </a:xfrm>
+              <a:prstGeom prst="ellipse">
+                <a:avLst/>
+              </a:prstGeom>
+              <a:solidFill>
+                <a:schemeClr val="tx1"/>
+              </a:solidFill>
+              <a:ln>
+                <a:solidFill>
+                  <a:schemeClr val="tx1"/>
+                </a:solidFill>
+              </a:ln>
+            </p:spPr>
+            <p:style>
+              <a:lnRef idx="2">
+                <a:schemeClr val="accent1">
+                  <a:shade val="50000"/>
+                </a:schemeClr>
+              </a:lnRef>
+              <a:fillRef idx="1">
+                <a:schemeClr val="accent1"/>
+              </a:fillRef>
+              <a:effectRef idx="0">
+                <a:schemeClr val="accent1"/>
+              </a:effectRef>
+              <a:fontRef idx="minor">
+                <a:schemeClr val="lt1"/>
+              </a:fontRef>
+            </p:style>
+            <p:txBody>
+              <a:bodyPr rtlCol="0" anchor="ctr"/>
+              <a:lstStyle/>
+              <a:p>
+                <a:pPr algn="ctr"/>
+                <a:endParaRPr lang="en-US"/>
+              </a:p>
+            </p:txBody>
+          </p:sp>
+          <p:sp>
+            <p:nvSpPr>
+              <p:cNvPr id="17" name="Oval 16"/>
+              <p:cNvSpPr>
+                <a:spLocks/>
+              </p:cNvSpPr>
+              <p:nvPr/>
+            </p:nvSpPr>
+            <p:spPr>
+              <a:xfrm>
+                <a:off x="1614488" y="2780349"/>
+                <a:ext cx="182880" cy="182880"/>
+              </a:xfrm>
+              <a:prstGeom prst="ellipse">
+                <a:avLst/>
+              </a:prstGeom>
+              <a:solidFill>
+                <a:schemeClr val="tx1"/>
+              </a:solidFill>
+              <a:ln>
+                <a:solidFill>
+                  <a:schemeClr val="tx1"/>
+                </a:solidFill>
+              </a:ln>
+            </p:spPr>
+            <p:style>
+              <a:lnRef idx="2">
+                <a:schemeClr val="accent1">
+                  <a:shade val="50000"/>
+                </a:schemeClr>
+              </a:lnRef>
+              <a:fillRef idx="1">
+                <a:schemeClr val="accent1"/>
+              </a:fillRef>
+              <a:effectRef idx="0">
+                <a:schemeClr val="accent1"/>
+              </a:effectRef>
+              <a:fontRef idx="minor">
+                <a:schemeClr val="lt1"/>
+              </a:fontRef>
+            </p:style>
+            <p:txBody>
+              <a:bodyPr rtlCol="0" anchor="ctr"/>
+              <a:lstStyle/>
+              <a:p>
+                <a:pPr algn="ctr"/>
+                <a:endParaRPr lang="en-US"/>
+              </a:p>
+            </p:txBody>
+          </p:sp>
+        </p:grpSp>
+        <mc:AlternateContent xmlns:mc="http://schemas.openxmlformats.org/markup-compatibility/2006" xmlns:a14="http://schemas.microsoft.com/office/drawing/2010/main">
+          <mc:Choice Requires="a14">
+            <p:sp>
+              <p:nvSpPr>
+                <p:cNvPr id="18" name="TextBox 17"/>
+                <p:cNvSpPr txBox="1"/>
+                <p:nvPr/>
+              </p:nvSpPr>
+              <p:spPr>
+                <a:xfrm>
+                  <a:off x="2071865" y="1556819"/>
+                  <a:ext cx="605660" cy="584775"/>
+                </a:xfrm>
+                <a:prstGeom prst="rect">
+                  <a:avLst/>
+                </a:prstGeom>
+                <a:noFill/>
+              </p:spPr>
+              <p:txBody>
+                <a:bodyPr wrap="square" rtlCol="0">
+                  <a:spAutoFit/>
+                </a:bodyPr>
+                <a:lstStyle/>
+                <a:p>
+                  <a:pPr/>
+                  <a14:m>
+                    <m:oMathPara xmlns:m="http://schemas.openxmlformats.org/officeDocument/2006/math">
+                      <m:oMathParaPr>
+                        <m:jc m:val="centerGroup"/>
+                      </m:oMathParaPr>
+                      <m:oMath xmlns:m="http://schemas.openxmlformats.org/officeDocument/2006/math">
+                        <m:sSub>
+                          <m:sSubPr>
+                            <m:ctrlPr>
+                              <a:rPr lang="en-US" sz="3200" i="1" smtClean="0">
+                                <a:latin typeface="Cambria Math" charset="0"/>
+                              </a:rPr>
+                            </m:ctrlPr>
+                          </m:sSubPr>
+                          <m:e>
+                            <m:r>
+                              <a:rPr lang="es-ES" sz="3200" b="0" i="1" smtClean="0">
+                                <a:latin typeface="Cambria Math" charset="0"/>
+                              </a:rPr>
+                              <m:t>𝑥</m:t>
+                            </m:r>
+                          </m:e>
+                          <m:sub>
+                            <m:r>
+                              <a:rPr lang="es-ES" sz="3200" b="0" i="1" smtClean="0">
+                                <a:latin typeface="Cambria Math" charset="0"/>
+                              </a:rPr>
+                              <m:t>1</m:t>
+                            </m:r>
+                          </m:sub>
+                        </m:sSub>
+                      </m:oMath>
+                    </m:oMathPara>
+                  </a14:m>
+                  <a:endParaRPr lang="en-US" sz="3200" dirty="0"/>
+                </a:p>
+              </p:txBody>
+            </p:sp>
+          </mc:Choice>
+          <mc:Fallback xmlns="">
+            <p:sp>
+              <p:nvSpPr>
+                <p:cNvPr id="18" name="TextBox 17"/>
+                <p:cNvSpPr txBox="1">
+                  <a:spLocks noRot="1" noChangeAspect="1" noMove="1" noResize="1" noEditPoints="1" noAdjustHandles="1" noChangeArrowheads="1" noChangeShapeType="1" noTextEdit="1"/>
+                </p:cNvSpPr>
+                <p:nvPr/>
+              </p:nvSpPr>
+              <p:spPr>
+                <a:xfrm>
+                  <a:off x="2071865" y="1556819"/>
+                  <a:ext cx="605660" cy="584775"/>
+                </a:xfrm>
+                <a:prstGeom prst="rect">
+                  <a:avLst/>
+                </a:prstGeom>
+                <a:blipFill rotWithShape="0">
+                  <a:blip r:embed="rId3"/>
+                  <a:stretch>
+                    <a:fillRect/>
+                  </a:stretch>
+                </a:blipFill>
+              </p:spPr>
+              <p:txBody>
+                <a:bodyPr/>
+                <a:lstStyle/>
+                <a:p>
+                  <a:r>
+                    <a:rPr lang="en-US">
+                      <a:noFill/>
+                    </a:rPr>
+                    <a:t> </a:t>
+                  </a:r>
+                </a:p>
+              </p:txBody>
+            </p:sp>
+          </mc:Fallback>
+        </mc:AlternateContent>
+        <mc:AlternateContent xmlns:mc="http://schemas.openxmlformats.org/markup-compatibility/2006" xmlns:a14="http://schemas.microsoft.com/office/drawing/2010/main">
+          <mc:Choice Requires="a14">
+            <p:sp>
+              <p:nvSpPr>
+                <p:cNvPr id="19" name="TextBox 18"/>
+                <p:cNvSpPr txBox="1"/>
+                <p:nvPr/>
+              </p:nvSpPr>
+              <p:spPr>
+                <a:xfrm>
+                  <a:off x="2058187" y="2741626"/>
+                  <a:ext cx="605660" cy="584775"/>
+                </a:xfrm>
+                <a:prstGeom prst="rect">
+                  <a:avLst/>
+                </a:prstGeom>
+                <a:noFill/>
+              </p:spPr>
+              <p:txBody>
+                <a:bodyPr wrap="square" rtlCol="0">
+                  <a:spAutoFit/>
+                </a:bodyPr>
+                <a:lstStyle/>
+                <a:p>
+                  <a:pPr/>
+                  <a14:m>
+                    <m:oMathPara xmlns:m="http://schemas.openxmlformats.org/officeDocument/2006/math">
+                      <m:oMathParaPr>
+                        <m:jc m:val="centerGroup"/>
+                      </m:oMathParaPr>
+                      <m:oMath xmlns:m="http://schemas.openxmlformats.org/officeDocument/2006/math">
+                        <m:sSub>
+                          <m:sSubPr>
+                            <m:ctrlPr>
+                              <a:rPr lang="en-US" sz="3200" i="1" smtClean="0">
+                                <a:latin typeface="Cambria Math" charset="0"/>
+                              </a:rPr>
+                            </m:ctrlPr>
+                          </m:sSubPr>
+                          <m:e>
+                            <m:r>
+                              <a:rPr lang="es-ES" sz="3200" b="0" i="1" smtClean="0">
+                                <a:latin typeface="Cambria Math" charset="0"/>
+                              </a:rPr>
+                              <m:t>𝑥</m:t>
+                            </m:r>
+                          </m:e>
+                          <m:sub>
+                            <m:r>
+                              <a:rPr lang="es-ES" sz="3200" b="0" i="1" smtClean="0">
+                                <a:latin typeface="Cambria Math" charset="0"/>
+                              </a:rPr>
+                              <m:t>𝑛</m:t>
+                            </m:r>
+                          </m:sub>
+                        </m:sSub>
+                      </m:oMath>
+                    </m:oMathPara>
+                  </a14:m>
+                  <a:endParaRPr lang="en-US" sz="3200" dirty="0"/>
+                </a:p>
+              </p:txBody>
+            </p:sp>
+          </mc:Choice>
+          <mc:Fallback xmlns="">
+            <p:sp>
+              <p:nvSpPr>
+                <p:cNvPr id="19" name="TextBox 18"/>
+                <p:cNvSpPr txBox="1">
+                  <a:spLocks noRot="1" noChangeAspect="1" noMove="1" noResize="1" noEditPoints="1" noAdjustHandles="1" noChangeArrowheads="1" noChangeShapeType="1" noTextEdit="1"/>
+                </p:cNvSpPr>
+                <p:nvPr/>
+              </p:nvSpPr>
+              <p:spPr>
+                <a:xfrm>
+                  <a:off x="2058187" y="2741626"/>
+                  <a:ext cx="605660" cy="584775"/>
+                </a:xfrm>
+                <a:prstGeom prst="rect">
+                  <a:avLst/>
+                </a:prstGeom>
+                <a:blipFill rotWithShape="0">
+                  <a:blip r:embed="rId4"/>
+                  <a:stretch>
+                    <a:fillRect/>
+                  </a:stretch>
+                </a:blipFill>
+              </p:spPr>
+              <p:txBody>
+                <a:bodyPr/>
+                <a:lstStyle/>
+                <a:p>
+                  <a:r>
+                    <a:rPr lang="en-US">
+                      <a:noFill/>
+                    </a:rPr>
+                    <a:t> </a:t>
+                  </a:r>
+                </a:p>
+              </p:txBody>
+            </p:sp>
+          </mc:Fallback>
+        </mc:AlternateContent>
+        <mc:AlternateContent xmlns:mc="http://schemas.openxmlformats.org/markup-compatibility/2006" xmlns:a14="http://schemas.microsoft.com/office/drawing/2010/main">
+          <mc:Choice Requires="a14">
+            <p:sp>
+              <p:nvSpPr>
+                <p:cNvPr id="20" name="TextBox 19"/>
+                <p:cNvSpPr txBox="1"/>
+                <p:nvPr/>
+              </p:nvSpPr>
+              <p:spPr>
+                <a:xfrm>
+                  <a:off x="8196106" y="1518073"/>
+                  <a:ext cx="605660" cy="584775"/>
+                </a:xfrm>
+                <a:prstGeom prst="rect">
+                  <a:avLst/>
+                </a:prstGeom>
+                <a:noFill/>
+              </p:spPr>
+              <p:txBody>
+                <a:bodyPr wrap="square" rtlCol="0">
+                  <a:spAutoFit/>
+                </a:bodyPr>
+                <a:lstStyle/>
+                <a:p>
+                  <a:pPr/>
+                  <a14:m>
+                    <m:oMathPara xmlns:m="http://schemas.openxmlformats.org/officeDocument/2006/math">
+                      <m:oMathParaPr>
+                        <m:jc m:val="centerGroup"/>
+                      </m:oMathParaPr>
+                      <m:oMath xmlns:m="http://schemas.openxmlformats.org/officeDocument/2006/math">
+                        <m:sSub>
+                          <m:sSubPr>
+                            <m:ctrlPr>
+                              <a:rPr lang="en-US" sz="3200" i="1" smtClean="0">
+                                <a:latin typeface="Cambria Math" charset="0"/>
+                              </a:rPr>
+                            </m:ctrlPr>
+                          </m:sSubPr>
+                          <m:e>
+                            <m:r>
+                              <a:rPr lang="es-ES" sz="3200" b="0" i="1" smtClean="0">
+                                <a:latin typeface="Cambria Math" charset="0"/>
+                              </a:rPr>
+                              <m:t>𝑦</m:t>
+                            </m:r>
+                          </m:e>
+                          <m:sub>
+                            <m:r>
+                              <a:rPr lang="es-ES" sz="3200" b="0" i="1" smtClean="0">
+                                <a:latin typeface="Cambria Math" charset="0"/>
+                              </a:rPr>
+                              <m:t>1</m:t>
+                            </m:r>
+                          </m:sub>
+                        </m:sSub>
+                      </m:oMath>
+                    </m:oMathPara>
+                  </a14:m>
+                  <a:endParaRPr lang="en-US" sz="3200" dirty="0"/>
+                </a:p>
+              </p:txBody>
+            </p:sp>
+          </mc:Choice>
+          <mc:Fallback xmlns="">
+            <p:sp>
+              <p:nvSpPr>
+                <p:cNvPr id="20" name="TextBox 19"/>
+                <p:cNvSpPr txBox="1">
+                  <a:spLocks noRot="1" noChangeAspect="1" noMove="1" noResize="1" noEditPoints="1" noAdjustHandles="1" noChangeArrowheads="1" noChangeShapeType="1" noTextEdit="1"/>
+                </p:cNvSpPr>
+                <p:nvPr/>
+              </p:nvSpPr>
+              <p:spPr>
+                <a:xfrm>
+                  <a:off x="8196106" y="1518073"/>
+                  <a:ext cx="605660" cy="584775"/>
+                </a:xfrm>
+                <a:prstGeom prst="rect">
+                  <a:avLst/>
+                </a:prstGeom>
+                <a:blipFill rotWithShape="0">
+                  <a:blip r:embed="rId5"/>
+                  <a:stretch>
+                    <a:fillRect/>
+                  </a:stretch>
+                </a:blipFill>
+              </p:spPr>
+              <p:txBody>
+                <a:bodyPr/>
+                <a:lstStyle/>
+                <a:p>
+                  <a:r>
+                    <a:rPr lang="en-US">
+                      <a:noFill/>
+                    </a:rPr>
+                    <a:t> </a:t>
+                  </a:r>
+                </a:p>
+              </p:txBody>
+            </p:sp>
+          </mc:Fallback>
+        </mc:AlternateContent>
+        <mc:AlternateContent xmlns:mc="http://schemas.openxmlformats.org/markup-compatibility/2006" xmlns:a14="http://schemas.microsoft.com/office/drawing/2010/main">
+          <mc:Choice Requires="a14">
+            <p:sp>
+              <p:nvSpPr>
+                <p:cNvPr id="21" name="TextBox 20"/>
+                <p:cNvSpPr txBox="1"/>
+                <p:nvPr/>
+              </p:nvSpPr>
+              <p:spPr>
+                <a:xfrm>
+                  <a:off x="8183030" y="2675940"/>
+                  <a:ext cx="605660" cy="584775"/>
+                </a:xfrm>
+                <a:prstGeom prst="rect">
+                  <a:avLst/>
+                </a:prstGeom>
+                <a:noFill/>
+              </p:spPr>
+              <p:txBody>
+                <a:bodyPr wrap="square" rtlCol="0">
+                  <a:spAutoFit/>
+                </a:bodyPr>
+                <a:lstStyle/>
+                <a:p>
+                  <a:pPr/>
+                  <a14:m>
+                    <m:oMathPara xmlns:m="http://schemas.openxmlformats.org/officeDocument/2006/math">
+                      <m:oMathParaPr>
+                        <m:jc m:val="centerGroup"/>
+                      </m:oMathParaPr>
+                      <m:oMath xmlns:m="http://schemas.openxmlformats.org/officeDocument/2006/math">
+                        <m:sSub>
+                          <m:sSubPr>
+                            <m:ctrlPr>
+                              <a:rPr lang="en-US" sz="3200" i="1" smtClean="0">
+                                <a:latin typeface="Cambria Math" charset="0"/>
+                              </a:rPr>
+                            </m:ctrlPr>
+                          </m:sSubPr>
+                          <m:e>
+                            <m:r>
+                              <a:rPr lang="es-ES" sz="3200" b="0" i="1" smtClean="0">
+                                <a:latin typeface="Cambria Math" charset="0"/>
+                              </a:rPr>
+                              <m:t>𝑦</m:t>
+                            </m:r>
+                          </m:e>
+                          <m:sub>
+                            <m:r>
+                              <a:rPr lang="es-ES" sz="3200" b="0" i="1" smtClean="0">
+                                <a:latin typeface="Cambria Math" charset="0"/>
+                              </a:rPr>
+                              <m:t>𝑛</m:t>
+                            </m:r>
+                          </m:sub>
+                        </m:sSub>
+                      </m:oMath>
+                    </m:oMathPara>
+                  </a14:m>
+                  <a:endParaRPr lang="en-US" sz="3200" dirty="0"/>
+                </a:p>
+              </p:txBody>
+            </p:sp>
+          </mc:Choice>
+          <mc:Fallback xmlns="">
+            <p:sp>
+              <p:nvSpPr>
+                <p:cNvPr id="21" name="TextBox 20"/>
+                <p:cNvSpPr txBox="1">
+                  <a:spLocks noRot="1" noChangeAspect="1" noMove="1" noResize="1" noEditPoints="1" noAdjustHandles="1" noChangeArrowheads="1" noChangeShapeType="1" noTextEdit="1"/>
+                </p:cNvSpPr>
+                <p:nvPr/>
+              </p:nvSpPr>
+              <p:spPr>
+                <a:xfrm>
+                  <a:off x="8183030" y="2675940"/>
+                  <a:ext cx="605660" cy="584775"/>
+                </a:xfrm>
+                <a:prstGeom prst="rect">
+                  <a:avLst/>
+                </a:prstGeom>
+                <a:blipFill rotWithShape="0">
+                  <a:blip r:embed="rId6"/>
+                  <a:stretch>
+                    <a:fillRect/>
+                  </a:stretch>
+                </a:blipFill>
+              </p:spPr>
+              <p:txBody>
+                <a:bodyPr/>
+                <a:lstStyle/>
+                <a:p>
+                  <a:r>
+                    <a:rPr lang="en-US">
+                      <a:noFill/>
+                    </a:rPr>
+                    <a:t> </a:t>
+                  </a:r>
+                </a:p>
+              </p:txBody>
+            </p:sp>
+          </mc:Fallback>
+        </mc:AlternateContent>
+        <p:sp>
+          <p:nvSpPr>
+            <p:cNvPr id="22" name="Left Brace 21"/>
+            <p:cNvSpPr/>
+            <p:nvPr/>
+          </p:nvSpPr>
+          <p:spPr>
+            <a:xfrm>
+              <a:off x="1770831" y="2154683"/>
+              <a:ext cx="328790" cy="1230790"/>
+            </a:xfrm>
+            <a:prstGeom prst="leftBrace">
+              <a:avLst/>
+            </a:prstGeom>
+            <a:ln w="34925">
+              <a:solidFill>
+                <a:schemeClr val="tx1"/>
+              </a:solidFill>
+            </a:ln>
+          </p:spPr>
+          <p:style>
+            <a:lnRef idx="1">
+              <a:schemeClr val="accent1"/>
+            </a:lnRef>
+            <a:fillRef idx="0">
+              <a:schemeClr val="accent1"/>
+            </a:fillRef>
+            <a:effectRef idx="0">
+              <a:schemeClr val="accent1"/>
+            </a:effectRef>
+            <a:fontRef idx="minor">
+              <a:schemeClr val="tx1"/>
+            </a:fontRef>
+          </p:style>
+          <p:txBody>
+            <a:bodyPr rtlCol="0" anchor="ctr"/>
+            <a:lstStyle/>
+            <a:p>
+              <a:pPr algn="ctr"/>
+              <a:endParaRPr lang="en-US"/>
+            </a:p>
+          </p:txBody>
+        </p:sp>
+        <p:sp>
+          <p:nvSpPr>
+            <p:cNvPr id="23" name="Left Brace 22"/>
+            <p:cNvSpPr/>
+            <p:nvPr/>
+          </p:nvSpPr>
+          <p:spPr>
+            <a:xfrm flipH="1">
+              <a:off x="8963004" y="2108225"/>
+              <a:ext cx="328790" cy="1230790"/>
+            </a:xfrm>
+            <a:prstGeom prst="leftBrace">
+              <a:avLst/>
+            </a:prstGeom>
+            <a:ln w="34925">
+              <a:solidFill>
+                <a:schemeClr val="tx1"/>
+              </a:solidFill>
+            </a:ln>
+          </p:spPr>
+          <p:style>
+            <a:lnRef idx="1">
+              <a:schemeClr val="accent1"/>
+            </a:lnRef>
+            <a:fillRef idx="0">
+              <a:schemeClr val="accent1"/>
+            </a:fillRef>
+            <a:effectRef idx="0">
+              <a:schemeClr val="accent1"/>
+            </a:effectRef>
+            <a:fontRef idx="minor">
+              <a:schemeClr val="tx1"/>
+            </a:fontRef>
+          </p:style>
+          <p:txBody>
+            <a:bodyPr rtlCol="0" anchor="ctr"/>
+            <a:lstStyle/>
+            <a:p>
+              <a:pPr algn="ctr"/>
+              <a:endParaRPr lang="en-US"/>
+            </a:p>
+          </p:txBody>
+        </p:sp>
+        <mc:AlternateContent xmlns:mc="http://schemas.openxmlformats.org/markup-compatibility/2006" xmlns:a14="http://schemas.microsoft.com/office/drawing/2010/main">
+          <mc:Choice Requires="a14">
+            <p:sp>
+              <p:nvSpPr>
+                <p:cNvPr id="24" name="TextBox 23"/>
+                <p:cNvSpPr txBox="1"/>
+                <p:nvPr/>
+              </p:nvSpPr>
+              <p:spPr>
+                <a:xfrm>
+                  <a:off x="1194422" y="2418460"/>
+                  <a:ext cx="605660" cy="646331"/>
+                </a:xfrm>
+                <a:prstGeom prst="rect">
+                  <a:avLst/>
+                </a:prstGeom>
+                <a:noFill/>
+              </p:spPr>
+              <p:txBody>
+                <a:bodyPr wrap="square" rtlCol="0">
+                  <a:spAutoFit/>
+                </a:bodyPr>
+                <a:lstStyle/>
+                <a:p>
+                  <a:pPr/>
+                  <a14:m>
+                    <m:oMathPara xmlns:m="http://schemas.openxmlformats.org/officeDocument/2006/math">
+                      <m:oMathParaPr>
+                        <m:jc m:val="centerGroup"/>
+                      </m:oMathParaPr>
+                      <m:oMath xmlns:m="http://schemas.openxmlformats.org/officeDocument/2006/math">
+                        <m:acc>
+                          <m:accPr>
+                            <m:chr m:val="⃗"/>
+                            <m:ctrlPr>
+                              <a:rPr lang="en-US" sz="3600" i="1" smtClean="0">
+                                <a:latin typeface="Cambria Math" charset="0"/>
+                              </a:rPr>
+                            </m:ctrlPr>
+                          </m:accPr>
+                          <m:e>
+                            <m:r>
+                              <a:rPr lang="es-ES" sz="3600" b="0" i="1" smtClean="0">
+                                <a:latin typeface="Cambria Math" charset="0"/>
+                              </a:rPr>
+                              <m:t>𝑥</m:t>
+                            </m:r>
+                          </m:e>
+                        </m:acc>
+                      </m:oMath>
+                    </m:oMathPara>
+                  </a14:m>
+                  <a:endParaRPr lang="en-US" sz="3600" dirty="0"/>
+                </a:p>
+              </p:txBody>
+            </p:sp>
+          </mc:Choice>
+          <mc:Fallback xmlns="">
+            <p:sp>
+              <p:nvSpPr>
+                <p:cNvPr id="24" name="TextBox 23"/>
+                <p:cNvSpPr txBox="1">
+                  <a:spLocks noRot="1" noChangeAspect="1" noMove="1" noResize="1" noEditPoints="1" noAdjustHandles="1" noChangeArrowheads="1" noChangeShapeType="1" noTextEdit="1"/>
+                </p:cNvSpPr>
+                <p:nvPr/>
+              </p:nvSpPr>
+              <p:spPr>
+                <a:xfrm>
+                  <a:off x="1194422" y="2418460"/>
+                  <a:ext cx="605660" cy="646331"/>
+                </a:xfrm>
+                <a:prstGeom prst="rect">
+                  <a:avLst/>
+                </a:prstGeom>
+                <a:blipFill rotWithShape="0">
+                  <a:blip r:embed="rId7"/>
+                  <a:stretch>
+                    <a:fillRect/>
+                  </a:stretch>
+                </a:blipFill>
+              </p:spPr>
+              <p:txBody>
+                <a:bodyPr/>
+                <a:lstStyle/>
+                <a:p>
+                  <a:r>
+                    <a:rPr lang="en-US">
+                      <a:noFill/>
+                    </a:rPr>
+                    <a:t> </a:t>
+                  </a:r>
+                </a:p>
+              </p:txBody>
+            </p:sp>
+          </mc:Fallback>
+        </mc:AlternateContent>
+        <mc:AlternateContent xmlns:mc="http://schemas.openxmlformats.org/markup-compatibility/2006" xmlns:a14="http://schemas.microsoft.com/office/drawing/2010/main">
+          <mc:Choice Requires="a14">
+            <p:sp>
+              <p:nvSpPr>
+                <p:cNvPr id="25" name="TextBox 24"/>
+                <p:cNvSpPr txBox="1"/>
+                <p:nvPr/>
+              </p:nvSpPr>
+              <p:spPr>
+                <a:xfrm>
+                  <a:off x="9291794" y="2343460"/>
+                  <a:ext cx="605660" cy="646331"/>
+                </a:xfrm>
+                <a:prstGeom prst="rect">
+                  <a:avLst/>
+                </a:prstGeom>
+                <a:noFill/>
+              </p:spPr>
+              <p:txBody>
+                <a:bodyPr wrap="square" rtlCol="0">
+                  <a:spAutoFit/>
+                </a:bodyPr>
+                <a:lstStyle/>
+                <a:p>
+                  <a:pPr/>
+                  <a14:m>
+                    <m:oMathPara xmlns:m="http://schemas.openxmlformats.org/officeDocument/2006/math">
+                      <m:oMathParaPr>
+                        <m:jc m:val="centerGroup"/>
+                      </m:oMathParaPr>
+                      <m:oMath xmlns:m="http://schemas.openxmlformats.org/officeDocument/2006/math">
+                        <m:acc>
+                          <m:accPr>
+                            <m:chr m:val="⃗"/>
+                            <m:ctrlPr>
+                              <a:rPr lang="en-US" sz="3600" i="1" smtClean="0">
+                                <a:latin typeface="Cambria Math" charset="0"/>
+                              </a:rPr>
+                            </m:ctrlPr>
+                          </m:accPr>
+                          <m:e>
+                            <m:r>
+                              <a:rPr lang="es-ES" sz="3600" b="0" i="1" smtClean="0">
+                                <a:latin typeface="Cambria Math" charset="0"/>
+                              </a:rPr>
+                              <m:t>𝑦</m:t>
+                            </m:r>
+                          </m:e>
+                        </m:acc>
+                      </m:oMath>
+                    </m:oMathPara>
+                  </a14:m>
+                  <a:endParaRPr lang="en-US" sz="3600" dirty="0"/>
+                </a:p>
+              </p:txBody>
+            </p:sp>
+          </mc:Choice>
+          <mc:Fallback xmlns="">
+            <p:sp>
+              <p:nvSpPr>
+                <p:cNvPr id="25" name="TextBox 24"/>
+                <p:cNvSpPr txBox="1">
+                  <a:spLocks noRot="1" noChangeAspect="1" noMove="1" noResize="1" noEditPoints="1" noAdjustHandles="1" noChangeArrowheads="1" noChangeShapeType="1" noTextEdit="1"/>
+                </p:cNvSpPr>
+                <p:nvPr/>
+              </p:nvSpPr>
+              <p:spPr>
+                <a:xfrm>
+                  <a:off x="9291794" y="2343460"/>
+                  <a:ext cx="605660" cy="646331"/>
+                </a:xfrm>
+                <a:prstGeom prst="rect">
+                  <a:avLst/>
+                </a:prstGeom>
+                <a:blipFill rotWithShape="0">
+                  <a:blip r:embed="rId8"/>
+                  <a:stretch>
+                    <a:fillRect/>
+                  </a:stretch>
+                </a:blipFill>
+              </p:spPr>
+              <p:txBody>
+                <a:bodyPr/>
+                <a:lstStyle/>
+                <a:p>
+                  <a:r>
+                    <a:rPr lang="en-US">
+                      <a:noFill/>
+                    </a:rPr>
+                    <a:t> </a:t>
+                  </a:r>
+                </a:p>
+              </p:txBody>
+            </p:sp>
+          </mc:Fallback>
+        </mc:AlternateContent>
+      </p:grpSp>
+    </p:spTree>
+    <p:extLst>
+      <p:ext uri="{BB962C8B-B14F-4D97-AF65-F5344CB8AC3E}">
+        <p14:creationId xmlns:p14="http://schemas.microsoft.com/office/powerpoint/2010/main" val="951302517"/>
+      </p:ext>
+    </p:extLst>
+  </p:cSld>
+  <p:clrMapOvr>
+    <a:masterClrMapping/>
+  </p:clrMapOvr>
+</p:sld>
+</file>
+
+<file path=ppt/slides/slide2.xml><?xml version="1.0" encoding="utf-8"?>
+<p:sld xmlns:a="http://schemas.openxmlformats.org/drawingml/2006/main" xmlns:r="http://schemas.openxmlformats.org/officeDocument/2006/relationships" xmlns:p="http://schemas.openxmlformats.org/presentationml/2006/main">
+  <p:cSld>
+    <p:spTree>
+      <p:nvGrpSpPr>
+        <p:cNvPr id="1" name=""/>
+        <p:cNvGrpSpPr/>
+        <p:nvPr/>
+      </p:nvGrpSpPr>
+      <p:grpSpPr>
+        <a:xfrm>
+          <a:off x="0" y="0"/>
+          <a:ext cx="0" cy="0"/>
+          <a:chOff x="0" y="0"/>
+          <a:chExt cx="0" cy="0"/>
+        </a:xfrm>
+      </p:grpSpPr>
+      <p:sp>
+        <p:nvSpPr>
+          <p:cNvPr id="4" name="Oval 3"/>
+          <p:cNvSpPr/>
+          <p:nvPr/>
+        </p:nvSpPr>
+        <p:spPr>
+          <a:xfrm>
+            <a:off x="1387928" y="1638299"/>
+            <a:ext cx="1761672" cy="1724725"/>
+          </a:xfrm>
+          <a:prstGeom prst="ellipse">
+            <a:avLst/>
+          </a:prstGeom>
+        </p:spPr>
+        <p:style>
+          <a:lnRef idx="1">
+            <a:schemeClr val="accent3"/>
+          </a:lnRef>
+          <a:fillRef idx="2">
+            <a:schemeClr val="accent3"/>
+          </a:fillRef>
+          <a:effectRef idx="1">
+            <a:schemeClr val="accent3"/>
+          </a:effectRef>
+          <a:fontRef idx="minor">
+            <a:schemeClr val="dk1"/>
+          </a:fontRef>
+        </p:style>
+        <p:txBody>
+          <a:bodyPr rtlCol="0" anchor="ctr"/>
+          <a:lstStyle/>
+          <a:p>
+            <a:pPr algn="ctr"/>
+            <a:r>
+              <a:rPr lang="en-US" sz="3200" dirty="0" smtClean="0"/>
+              <a:t>Initial Inputs</a:t>
+            </a:r>
+            <a:endParaRPr lang="en-US" sz="3200" dirty="0"/>
+          </a:p>
+        </p:txBody>
+      </p:sp>
+      <p:sp>
+        <p:nvSpPr>
+          <p:cNvPr id="5" name="Oval 4"/>
+          <p:cNvSpPr/>
+          <p:nvPr/>
+        </p:nvSpPr>
+        <p:spPr>
+          <a:xfrm>
+            <a:off x="3975100" y="1308100"/>
+            <a:ext cx="3285673" cy="2385125"/>
+          </a:xfrm>
+          <a:prstGeom prst="ellipse">
+            <a:avLst/>
+          </a:prstGeom>
+        </p:spPr>
+        <p:style>
+          <a:lnRef idx="1">
+            <a:schemeClr val="accent3"/>
+          </a:lnRef>
+          <a:fillRef idx="2">
+            <a:schemeClr val="accent3"/>
+          </a:fillRef>
+          <a:effectRef idx="1">
+            <a:schemeClr val="accent3"/>
+          </a:effectRef>
+          <a:fontRef idx="minor">
+            <a:schemeClr val="dk1"/>
+          </a:fontRef>
+        </p:style>
+        <p:txBody>
+          <a:bodyPr rtlCol="0" anchor="ctr"/>
+          <a:lstStyle/>
+          <a:p>
+            <a:pPr algn="ctr"/>
+            <a:r>
+              <a:rPr lang="en-US" sz="3200" dirty="0" smtClean="0"/>
+              <a:t>Optimization Process</a:t>
+            </a:r>
+            <a:endParaRPr lang="en-US" sz="3200" dirty="0"/>
+          </a:p>
+        </p:txBody>
+      </p:sp>
+      <p:sp>
+        <p:nvSpPr>
+          <p:cNvPr id="6" name="Oval 5"/>
+          <p:cNvSpPr/>
+          <p:nvPr/>
+        </p:nvSpPr>
+        <p:spPr>
+          <a:xfrm>
+            <a:off x="8911773" y="1638299"/>
+            <a:ext cx="2823027" cy="2054923"/>
+          </a:xfrm>
+          <a:prstGeom prst="ellipse">
+            <a:avLst/>
+          </a:prstGeom>
+        </p:spPr>
+        <p:style>
+          <a:lnRef idx="1">
+            <a:schemeClr val="accent3"/>
+          </a:lnRef>
+          <a:fillRef idx="2">
+            <a:schemeClr val="accent3"/>
+          </a:fillRef>
+          <a:effectRef idx="1">
+            <a:schemeClr val="accent3"/>
+          </a:effectRef>
+          <a:fontRef idx="minor">
+            <a:schemeClr val="dk1"/>
+          </a:fontRef>
+        </p:style>
+        <p:txBody>
+          <a:bodyPr rtlCol="0" anchor="ctr"/>
+          <a:lstStyle/>
+          <a:p>
+            <a:pPr algn="ctr"/>
+            <a:r>
+              <a:rPr lang="en-US" sz="3200" dirty="0" smtClean="0"/>
+              <a:t>Simulation</a:t>
+            </a:r>
+            <a:endParaRPr lang="en-US" sz="3200" dirty="0"/>
+          </a:p>
+        </p:txBody>
+      </p:sp>
       <p:cxnSp>
         <p:nvCxnSpPr>
-          <p:cNvPr id="6" name="Straight Arrow Connector 5"/>
-          <p:cNvCxnSpPr/>
+          <p:cNvPr id="7" name="Straight Arrow Connector 6"/>
+          <p:cNvCxnSpPr>
+            <a:stCxn id="4" idx="6"/>
+            <a:endCxn id="5" idx="2"/>
+          </p:cNvCxnSpPr>
           <p:nvPr/>
         </p:nvCxnSpPr>
         <p:spPr>
-          <a:xfrm flipV="1">
-            <a:off x="2291938" y="2137558"/>
-            <a:ext cx="1733796" cy="11876"/>
+          <a:xfrm>
+            <a:off x="3149600" y="2500662"/>
+            <a:ext cx="825500" cy="1"/>
           </a:xfrm>
           <a:prstGeom prst="straightConnector1">
             <a:avLst/>
@@ -3139,864 +4479,28 @@
       </p:cxnSp>
       <p:cxnSp>
         <p:nvCxnSpPr>
-          <p:cNvPr id="7" name="Straight Arrow Connector 6"/>
-          <p:cNvCxnSpPr/>
+          <p:cNvPr id="38" name="Elbow Connector 37"/>
+          <p:cNvCxnSpPr>
+            <a:stCxn id="6" idx="4"/>
+            <a:endCxn id="5" idx="4"/>
+          </p:cNvCxnSpPr>
           <p:nvPr/>
         </p:nvCxnSpPr>
         <p:spPr>
-          <a:xfrm flipV="1">
-            <a:off x="2291938" y="3332946"/>
-            <a:ext cx="1733796" cy="11876"/>
+          <a:xfrm rot="5400000">
+            <a:off x="7970611" y="1340548"/>
+            <a:ext cx="3" cy="4705350"/>
           </a:xfrm>
-          <a:prstGeom prst="straightConnector1">
-            <a:avLst/>
+          <a:prstGeom prst="bentConnector3">
+            <a:avLst>
+              <a:gd name="adj1" fmla="val 7620100000"/>
+            </a:avLst>
           </a:prstGeom>
           <a:ln w="38100">
             <a:solidFill>
               <a:schemeClr val="tx1"/>
             </a:solidFill>
             <a:tailEnd type="triangle"/>
-          </a:ln>
-        </p:spPr>
-        <p:style>
-          <a:lnRef idx="2">
-            <a:schemeClr val="accent1"/>
-          </a:lnRef>
-          <a:fillRef idx="0">
-            <a:schemeClr val="accent1"/>
-          </a:fillRef>
-          <a:effectRef idx="1">
-            <a:schemeClr val="accent1"/>
-          </a:effectRef>
-          <a:fontRef idx="minor">
-            <a:schemeClr val="tx1"/>
-          </a:fontRef>
-        </p:style>
-      </p:cxnSp>
-      <p:cxnSp>
-        <p:nvCxnSpPr>
-          <p:cNvPr id="8" name="Straight Arrow Connector 7"/>
-          <p:cNvCxnSpPr/>
-          <p:nvPr/>
-        </p:nvCxnSpPr>
-        <p:spPr>
-          <a:xfrm flipV="1">
-            <a:off x="7030625" y="2125682"/>
-            <a:ext cx="1733796" cy="11876"/>
-          </a:xfrm>
-          <a:prstGeom prst="straightConnector1">
-            <a:avLst/>
-          </a:prstGeom>
-          <a:ln w="38100">
-            <a:solidFill>
-              <a:schemeClr val="tx1"/>
-            </a:solidFill>
-            <a:tailEnd type="triangle"/>
-          </a:ln>
-        </p:spPr>
-        <p:style>
-          <a:lnRef idx="2">
-            <a:schemeClr val="accent1"/>
-          </a:lnRef>
-          <a:fillRef idx="0">
-            <a:schemeClr val="accent1"/>
-          </a:fillRef>
-          <a:effectRef idx="1">
-            <a:schemeClr val="accent1"/>
-          </a:effectRef>
-          <a:fontRef idx="minor">
-            <a:schemeClr val="tx1"/>
-          </a:fontRef>
-        </p:style>
-      </p:cxnSp>
-      <p:cxnSp>
-        <p:nvCxnSpPr>
-          <p:cNvPr id="9" name="Straight Arrow Connector 8"/>
-          <p:cNvCxnSpPr/>
-          <p:nvPr/>
-        </p:nvCxnSpPr>
-        <p:spPr>
-          <a:xfrm flipV="1">
-            <a:off x="7030625" y="3321070"/>
-            <a:ext cx="1733796" cy="11876"/>
-          </a:xfrm>
-          <a:prstGeom prst="straightConnector1">
-            <a:avLst/>
-          </a:prstGeom>
-          <a:ln w="38100">
-            <a:solidFill>
-              <a:schemeClr val="tx1"/>
-            </a:solidFill>
-            <a:tailEnd type="triangle"/>
-          </a:ln>
-        </p:spPr>
-        <p:style>
-          <a:lnRef idx="2">
-            <a:schemeClr val="accent1"/>
-          </a:lnRef>
-          <a:fillRef idx="0">
-            <a:schemeClr val="accent1"/>
-          </a:fillRef>
-          <a:effectRef idx="1">
-            <a:schemeClr val="accent1"/>
-          </a:effectRef>
-          <a:fontRef idx="minor">
-            <a:schemeClr val="tx1"/>
-          </a:fontRef>
-        </p:style>
-      </p:cxnSp>
-      <p:grpSp>
-        <p:nvGrpSpPr>
-          <p:cNvPr id="13" name="Group 12"/>
-          <p:cNvGrpSpPr/>
-          <p:nvPr/>
-        </p:nvGrpSpPr>
-        <p:grpSpPr>
-          <a:xfrm>
-            <a:off x="3065968" y="2308394"/>
-            <a:ext cx="185737" cy="917111"/>
-            <a:chOff x="1614488" y="2046118"/>
-            <a:chExt cx="185737" cy="917111"/>
-          </a:xfrm>
-        </p:grpSpPr>
-        <p:sp>
-          <p:nvSpPr>
-            <p:cNvPr id="10" name="Oval 9"/>
-            <p:cNvSpPr/>
-            <p:nvPr/>
-          </p:nvSpPr>
-          <p:spPr>
-            <a:xfrm>
-              <a:off x="1614488" y="2414588"/>
-              <a:ext cx="185737" cy="180171"/>
-            </a:xfrm>
-            <a:prstGeom prst="ellipse">
-              <a:avLst/>
-            </a:prstGeom>
-            <a:solidFill>
-              <a:schemeClr val="tx1"/>
-            </a:solidFill>
-            <a:ln>
-              <a:solidFill>
-                <a:schemeClr val="tx1"/>
-              </a:solidFill>
-            </a:ln>
-          </p:spPr>
-          <p:style>
-            <a:lnRef idx="2">
-              <a:schemeClr val="accent1">
-                <a:shade val="50000"/>
-              </a:schemeClr>
-            </a:lnRef>
-            <a:fillRef idx="1">
-              <a:schemeClr val="accent1"/>
-            </a:fillRef>
-            <a:effectRef idx="0">
-              <a:schemeClr val="accent1"/>
-            </a:effectRef>
-            <a:fontRef idx="minor">
-              <a:schemeClr val="lt1"/>
-            </a:fontRef>
-          </p:style>
-          <p:txBody>
-            <a:bodyPr rtlCol="0" anchor="ctr"/>
-            <a:lstStyle/>
-            <a:p>
-              <a:pPr algn="ctr"/>
-              <a:endParaRPr lang="en-US"/>
-            </a:p>
-          </p:txBody>
-        </p:sp>
-        <p:sp>
-          <p:nvSpPr>
-            <p:cNvPr id="11" name="Oval 10"/>
-            <p:cNvSpPr>
-              <a:spLocks/>
-            </p:cNvSpPr>
-            <p:nvPr/>
-          </p:nvSpPr>
-          <p:spPr>
-            <a:xfrm>
-              <a:off x="1617345" y="2046118"/>
-              <a:ext cx="182880" cy="182880"/>
-            </a:xfrm>
-            <a:prstGeom prst="ellipse">
-              <a:avLst/>
-            </a:prstGeom>
-            <a:solidFill>
-              <a:schemeClr val="tx1"/>
-            </a:solidFill>
-            <a:ln>
-              <a:solidFill>
-                <a:schemeClr val="tx1"/>
-              </a:solidFill>
-            </a:ln>
-          </p:spPr>
-          <p:style>
-            <a:lnRef idx="2">
-              <a:schemeClr val="accent1">
-                <a:shade val="50000"/>
-              </a:schemeClr>
-            </a:lnRef>
-            <a:fillRef idx="1">
-              <a:schemeClr val="accent1"/>
-            </a:fillRef>
-            <a:effectRef idx="0">
-              <a:schemeClr val="accent1"/>
-            </a:effectRef>
-            <a:fontRef idx="minor">
-              <a:schemeClr val="lt1"/>
-            </a:fontRef>
-          </p:style>
-          <p:txBody>
-            <a:bodyPr rtlCol="0" anchor="ctr"/>
-            <a:lstStyle/>
-            <a:p>
-              <a:pPr algn="ctr"/>
-              <a:endParaRPr lang="en-US"/>
-            </a:p>
-          </p:txBody>
-        </p:sp>
-        <p:sp>
-          <p:nvSpPr>
-            <p:cNvPr id="12" name="Oval 11"/>
-            <p:cNvSpPr>
-              <a:spLocks/>
-            </p:cNvSpPr>
-            <p:nvPr/>
-          </p:nvSpPr>
-          <p:spPr>
-            <a:xfrm>
-              <a:off x="1614488" y="2780349"/>
-              <a:ext cx="182880" cy="182880"/>
-            </a:xfrm>
-            <a:prstGeom prst="ellipse">
-              <a:avLst/>
-            </a:prstGeom>
-            <a:solidFill>
-              <a:schemeClr val="tx1"/>
-            </a:solidFill>
-            <a:ln>
-              <a:solidFill>
-                <a:schemeClr val="tx1"/>
-              </a:solidFill>
-            </a:ln>
-          </p:spPr>
-          <p:style>
-            <a:lnRef idx="2">
-              <a:schemeClr val="accent1">
-                <a:shade val="50000"/>
-              </a:schemeClr>
-            </a:lnRef>
-            <a:fillRef idx="1">
-              <a:schemeClr val="accent1"/>
-            </a:fillRef>
-            <a:effectRef idx="0">
-              <a:schemeClr val="accent1"/>
-            </a:effectRef>
-            <a:fontRef idx="minor">
-              <a:schemeClr val="lt1"/>
-            </a:fontRef>
-          </p:style>
-          <p:txBody>
-            <a:bodyPr rtlCol="0" anchor="ctr"/>
-            <a:lstStyle/>
-            <a:p>
-              <a:pPr algn="ctr"/>
-              <a:endParaRPr lang="en-US"/>
-            </a:p>
-          </p:txBody>
-        </p:sp>
-      </p:grpSp>
-      <p:grpSp>
-        <p:nvGrpSpPr>
-          <p:cNvPr id="14" name="Group 13"/>
-          <p:cNvGrpSpPr/>
-          <p:nvPr/>
-        </p:nvGrpSpPr>
-        <p:grpSpPr>
-          <a:xfrm>
-            <a:off x="7814643" y="2265065"/>
-            <a:ext cx="185737" cy="917111"/>
-            <a:chOff x="1614488" y="2046118"/>
-            <a:chExt cx="185737" cy="917111"/>
-          </a:xfrm>
-        </p:grpSpPr>
-        <p:sp>
-          <p:nvSpPr>
-            <p:cNvPr id="15" name="Oval 14"/>
-            <p:cNvSpPr/>
-            <p:nvPr/>
-          </p:nvSpPr>
-          <p:spPr>
-            <a:xfrm>
-              <a:off x="1614488" y="2414588"/>
-              <a:ext cx="185737" cy="180171"/>
-            </a:xfrm>
-            <a:prstGeom prst="ellipse">
-              <a:avLst/>
-            </a:prstGeom>
-            <a:solidFill>
-              <a:schemeClr val="tx1"/>
-            </a:solidFill>
-            <a:ln>
-              <a:solidFill>
-                <a:schemeClr val="tx1"/>
-              </a:solidFill>
-            </a:ln>
-          </p:spPr>
-          <p:style>
-            <a:lnRef idx="2">
-              <a:schemeClr val="accent1">
-                <a:shade val="50000"/>
-              </a:schemeClr>
-            </a:lnRef>
-            <a:fillRef idx="1">
-              <a:schemeClr val="accent1"/>
-            </a:fillRef>
-            <a:effectRef idx="0">
-              <a:schemeClr val="accent1"/>
-            </a:effectRef>
-            <a:fontRef idx="minor">
-              <a:schemeClr val="lt1"/>
-            </a:fontRef>
-          </p:style>
-          <p:txBody>
-            <a:bodyPr rtlCol="0" anchor="ctr"/>
-            <a:lstStyle/>
-            <a:p>
-              <a:pPr algn="ctr"/>
-              <a:endParaRPr lang="en-US"/>
-            </a:p>
-          </p:txBody>
-        </p:sp>
-        <p:sp>
-          <p:nvSpPr>
-            <p:cNvPr id="16" name="Oval 15"/>
-            <p:cNvSpPr>
-              <a:spLocks/>
-            </p:cNvSpPr>
-            <p:nvPr/>
-          </p:nvSpPr>
-          <p:spPr>
-            <a:xfrm>
-              <a:off x="1617345" y="2046118"/>
-              <a:ext cx="182880" cy="182880"/>
-            </a:xfrm>
-            <a:prstGeom prst="ellipse">
-              <a:avLst/>
-            </a:prstGeom>
-            <a:solidFill>
-              <a:schemeClr val="tx1"/>
-            </a:solidFill>
-            <a:ln>
-              <a:solidFill>
-                <a:schemeClr val="tx1"/>
-              </a:solidFill>
-            </a:ln>
-          </p:spPr>
-          <p:style>
-            <a:lnRef idx="2">
-              <a:schemeClr val="accent1">
-                <a:shade val="50000"/>
-              </a:schemeClr>
-            </a:lnRef>
-            <a:fillRef idx="1">
-              <a:schemeClr val="accent1"/>
-            </a:fillRef>
-            <a:effectRef idx="0">
-              <a:schemeClr val="accent1"/>
-            </a:effectRef>
-            <a:fontRef idx="minor">
-              <a:schemeClr val="lt1"/>
-            </a:fontRef>
-          </p:style>
-          <p:txBody>
-            <a:bodyPr rtlCol="0" anchor="ctr"/>
-            <a:lstStyle/>
-            <a:p>
-              <a:pPr algn="ctr"/>
-              <a:endParaRPr lang="en-US"/>
-            </a:p>
-          </p:txBody>
-        </p:sp>
-        <p:sp>
-          <p:nvSpPr>
-            <p:cNvPr id="17" name="Oval 16"/>
-            <p:cNvSpPr>
-              <a:spLocks/>
-            </p:cNvSpPr>
-            <p:nvPr/>
-          </p:nvSpPr>
-          <p:spPr>
-            <a:xfrm>
-              <a:off x="1614488" y="2780349"/>
-              <a:ext cx="182880" cy="182880"/>
-            </a:xfrm>
-            <a:prstGeom prst="ellipse">
-              <a:avLst/>
-            </a:prstGeom>
-            <a:solidFill>
-              <a:schemeClr val="tx1"/>
-            </a:solidFill>
-            <a:ln>
-              <a:solidFill>
-                <a:schemeClr val="tx1"/>
-              </a:solidFill>
-            </a:ln>
-          </p:spPr>
-          <p:style>
-            <a:lnRef idx="2">
-              <a:schemeClr val="accent1">
-                <a:shade val="50000"/>
-              </a:schemeClr>
-            </a:lnRef>
-            <a:fillRef idx="1">
-              <a:schemeClr val="accent1"/>
-            </a:fillRef>
-            <a:effectRef idx="0">
-              <a:schemeClr val="accent1"/>
-            </a:effectRef>
-            <a:fontRef idx="minor">
-              <a:schemeClr val="lt1"/>
-            </a:fontRef>
-          </p:style>
-          <p:txBody>
-            <a:bodyPr rtlCol="0" anchor="ctr"/>
-            <a:lstStyle/>
-            <a:p>
-              <a:pPr algn="ctr"/>
-              <a:endParaRPr lang="en-US"/>
-            </a:p>
-          </p:txBody>
-        </p:sp>
-      </p:grpSp>
-      <mc:AlternateContent xmlns:mc="http://schemas.openxmlformats.org/markup-compatibility/2006">
-        <mc:Choice xmlns:a14="http://schemas.microsoft.com/office/drawing/2010/main" Requires="a14">
-          <p:sp>
-            <p:nvSpPr>
-              <p:cNvPr id="18" name="TextBox 17"/>
-              <p:cNvSpPr txBox="1"/>
-              <p:nvPr/>
-            </p:nvSpPr>
-            <p:spPr>
-              <a:xfrm>
-                <a:off x="2077730" y="1744700"/>
-                <a:ext cx="605660" cy="369332"/>
-              </a:xfrm>
-              <a:prstGeom prst="rect">
-                <a:avLst/>
-              </a:prstGeom>
-              <a:noFill/>
-            </p:spPr>
-            <p:txBody>
-              <a:bodyPr wrap="square" rtlCol="0">
-                <a:spAutoFit/>
-              </a:bodyPr>
-              <a:lstStyle/>
-              <a:p>
-                <a14:m>
-                  <m:oMathPara xmlns:m="http://schemas.openxmlformats.org/officeDocument/2006/math">
-                    <m:oMathParaPr>
-                      <m:jc m:val="centerGroup"/>
-                    </m:oMathParaPr>
-                    <m:oMath xmlns:m="http://schemas.openxmlformats.org/officeDocument/2006/math">
-                      <m:sSub>
-                        <m:sSubPr>
-                          <m:ctrlPr>
-                            <a:rPr lang="en-US" i="1" smtClean="0">
-                              <a:latin typeface="Cambria Math" charset="0"/>
-                            </a:rPr>
-                          </m:ctrlPr>
-                        </m:sSubPr>
-                        <m:e>
-                          <m:r>
-                            <a:rPr lang="es-ES" b="0" i="1" smtClean="0">
-                              <a:latin typeface="Cambria Math" charset="0"/>
-                            </a:rPr>
-                            <m:t>𝑥</m:t>
-                          </m:r>
-                        </m:e>
-                        <m:sub>
-                          <m:r>
-                            <a:rPr lang="es-ES" b="0" i="1" smtClean="0">
-                              <a:latin typeface="Cambria Math" charset="0"/>
-                            </a:rPr>
-                            <m:t>1</m:t>
-                          </m:r>
-                        </m:sub>
-                      </m:sSub>
-                    </m:oMath>
-                  </m:oMathPara>
-                </a14:m>
-                <a:endParaRPr lang="en-US" dirty="0"/>
-              </a:p>
-            </p:txBody>
-          </p:sp>
-        </mc:Choice>
-        <mc:Fallback>
-          <p:sp>
-            <p:nvSpPr>
-              <p:cNvPr id="18" name="TextBox 17"/>
-              <p:cNvSpPr txBox="1">
-                <a:spLocks noRot="1" noChangeAspect="1" noMove="1" noResize="1" noEditPoints="1" noAdjustHandles="1" noChangeArrowheads="1" noChangeShapeType="1" noTextEdit="1"/>
-              </p:cNvSpPr>
-              <p:nvPr/>
-            </p:nvSpPr>
-            <p:spPr>
-              <a:xfrm>
-                <a:off x="2077730" y="1744700"/>
-                <a:ext cx="605660" cy="369332"/>
-              </a:xfrm>
-              <a:prstGeom prst="rect">
-                <a:avLst/>
-              </a:prstGeom>
-              <a:blipFill rotWithShape="0">
-                <a:blip r:embed="rId3"/>
-                <a:stretch>
-                  <a:fillRect/>
-                </a:stretch>
-              </a:blipFill>
-            </p:spPr>
-            <p:txBody>
-              <a:bodyPr/>
-              <a:lstStyle/>
-              <a:p>
-                <a:r>
-                  <a:rPr lang="en-US">
-                    <a:noFill/>
-                  </a:rPr>
-                  <a:t> </a:t>
-                </a:r>
-              </a:p>
-            </p:txBody>
-          </p:sp>
-        </mc:Fallback>
-      </mc:AlternateContent>
-      <mc:AlternateContent xmlns:mc="http://schemas.openxmlformats.org/markup-compatibility/2006">
-        <mc:Choice xmlns:a14="http://schemas.microsoft.com/office/drawing/2010/main" Requires="a14">
-          <p:sp>
-            <p:nvSpPr>
-              <p:cNvPr id="19" name="TextBox 18"/>
-              <p:cNvSpPr txBox="1"/>
-              <p:nvPr/>
-            </p:nvSpPr>
-            <p:spPr>
-              <a:xfrm>
-                <a:off x="2071865" y="2969309"/>
-                <a:ext cx="605660" cy="369332"/>
-              </a:xfrm>
-              <a:prstGeom prst="rect">
-                <a:avLst/>
-              </a:prstGeom>
-              <a:noFill/>
-            </p:spPr>
-            <p:txBody>
-              <a:bodyPr wrap="square" rtlCol="0">
-                <a:spAutoFit/>
-              </a:bodyPr>
-              <a:lstStyle/>
-              <a:p>
-                <a14:m>
-                  <m:oMathPara xmlns:m="http://schemas.openxmlformats.org/officeDocument/2006/math">
-                    <m:oMathParaPr>
-                      <m:jc m:val="centerGroup"/>
-                    </m:oMathParaPr>
-                    <m:oMath xmlns:m="http://schemas.openxmlformats.org/officeDocument/2006/math">
-                      <m:sSub>
-                        <m:sSubPr>
-                          <m:ctrlPr>
-                            <a:rPr lang="en-US" i="1" smtClean="0">
-                              <a:latin typeface="Cambria Math" charset="0"/>
-                            </a:rPr>
-                          </m:ctrlPr>
-                        </m:sSubPr>
-                        <m:e>
-                          <m:r>
-                            <a:rPr lang="es-ES" b="0" i="1" smtClean="0">
-                              <a:latin typeface="Cambria Math" charset="0"/>
-                            </a:rPr>
-                            <m:t>𝑥</m:t>
-                          </m:r>
-                        </m:e>
-                        <m:sub>
-                          <m:r>
-                            <a:rPr lang="es-ES" b="0" i="1" smtClean="0">
-                              <a:latin typeface="Cambria Math" charset="0"/>
-                            </a:rPr>
-                            <m:t>𝑛</m:t>
-                          </m:r>
-                        </m:sub>
-                      </m:sSub>
-                    </m:oMath>
-                  </m:oMathPara>
-                </a14:m>
-                <a:endParaRPr lang="en-US" dirty="0"/>
-              </a:p>
-            </p:txBody>
-          </p:sp>
-        </mc:Choice>
-        <mc:Fallback>
-          <p:sp>
-            <p:nvSpPr>
-              <p:cNvPr id="19" name="TextBox 18"/>
-              <p:cNvSpPr txBox="1">
-                <a:spLocks noRot="1" noChangeAspect="1" noMove="1" noResize="1" noEditPoints="1" noAdjustHandles="1" noChangeArrowheads="1" noChangeShapeType="1" noTextEdit="1"/>
-              </p:cNvSpPr>
-              <p:nvPr/>
-            </p:nvSpPr>
-            <p:spPr>
-              <a:xfrm>
-                <a:off x="2071865" y="2969309"/>
-                <a:ext cx="605660" cy="369332"/>
-              </a:xfrm>
-              <a:prstGeom prst="rect">
-                <a:avLst/>
-              </a:prstGeom>
-              <a:blipFill rotWithShape="0">
-                <a:blip r:embed="rId4"/>
-                <a:stretch>
-                  <a:fillRect/>
-                </a:stretch>
-              </a:blipFill>
-            </p:spPr>
-            <p:txBody>
-              <a:bodyPr/>
-              <a:lstStyle/>
-              <a:p>
-                <a:r>
-                  <a:rPr lang="en-US">
-                    <a:noFill/>
-                  </a:rPr>
-                  <a:t> </a:t>
-                </a:r>
-              </a:p>
-            </p:txBody>
-          </p:sp>
-        </mc:Fallback>
-      </mc:AlternateContent>
-      <mc:AlternateContent xmlns:mc="http://schemas.openxmlformats.org/markup-compatibility/2006">
-        <mc:Choice xmlns:a14="http://schemas.microsoft.com/office/drawing/2010/main" Requires="a14">
-          <p:sp>
-            <p:nvSpPr>
-              <p:cNvPr id="20" name="TextBox 19"/>
-              <p:cNvSpPr txBox="1"/>
-              <p:nvPr/>
-            </p:nvSpPr>
-            <p:spPr>
-              <a:xfrm>
-                <a:off x="8201868" y="1744700"/>
-                <a:ext cx="605660" cy="369332"/>
-              </a:xfrm>
-              <a:prstGeom prst="rect">
-                <a:avLst/>
-              </a:prstGeom>
-              <a:noFill/>
-            </p:spPr>
-            <p:txBody>
-              <a:bodyPr wrap="square" rtlCol="0">
-                <a:spAutoFit/>
-              </a:bodyPr>
-              <a:lstStyle/>
-              <a:p>
-                <a14:m>
-                  <m:oMathPara xmlns:m="http://schemas.openxmlformats.org/officeDocument/2006/math">
-                    <m:oMathParaPr>
-                      <m:jc m:val="centerGroup"/>
-                    </m:oMathParaPr>
-                    <m:oMath xmlns:m="http://schemas.openxmlformats.org/officeDocument/2006/math">
-                      <m:sSub>
-                        <m:sSubPr>
-                          <m:ctrlPr>
-                            <a:rPr lang="en-US" i="1" smtClean="0">
-                              <a:latin typeface="Cambria Math" charset="0"/>
-                            </a:rPr>
-                          </m:ctrlPr>
-                        </m:sSubPr>
-                        <m:e>
-                          <m:r>
-                            <a:rPr lang="es-ES" b="0" i="1" smtClean="0">
-                              <a:latin typeface="Cambria Math" charset="0"/>
-                            </a:rPr>
-                            <m:t>𝑦</m:t>
-                          </m:r>
-                        </m:e>
-                        <m:sub>
-                          <m:r>
-                            <a:rPr lang="es-ES" b="0" i="1" smtClean="0">
-                              <a:latin typeface="Cambria Math" charset="0"/>
-                            </a:rPr>
-                            <m:t>1</m:t>
-                          </m:r>
-                        </m:sub>
-                      </m:sSub>
-                    </m:oMath>
-                  </m:oMathPara>
-                </a14:m>
-                <a:endParaRPr lang="en-US" dirty="0"/>
-              </a:p>
-            </p:txBody>
-          </p:sp>
-        </mc:Choice>
-        <mc:Fallback>
-          <p:sp>
-            <p:nvSpPr>
-              <p:cNvPr id="20" name="TextBox 19"/>
-              <p:cNvSpPr txBox="1">
-                <a:spLocks noRot="1" noChangeAspect="1" noMove="1" noResize="1" noEditPoints="1" noAdjustHandles="1" noChangeArrowheads="1" noChangeShapeType="1" noTextEdit="1"/>
-              </p:cNvSpPr>
-              <p:nvPr/>
-            </p:nvSpPr>
-            <p:spPr>
-              <a:xfrm>
-                <a:off x="8201868" y="1744700"/>
-                <a:ext cx="605660" cy="369332"/>
-              </a:xfrm>
-              <a:prstGeom prst="rect">
-                <a:avLst/>
-              </a:prstGeom>
-              <a:blipFill rotWithShape="0">
-                <a:blip r:embed="rId5"/>
-                <a:stretch>
-                  <a:fillRect b="-4918"/>
-                </a:stretch>
-              </a:blipFill>
-            </p:spPr>
-            <p:txBody>
-              <a:bodyPr/>
-              <a:lstStyle/>
-              <a:p>
-                <a:r>
-                  <a:rPr lang="en-US">
-                    <a:noFill/>
-                  </a:rPr>
-                  <a:t> </a:t>
-                </a:r>
-              </a:p>
-            </p:txBody>
-          </p:sp>
-        </mc:Fallback>
-      </mc:AlternateContent>
-      <mc:AlternateContent xmlns:mc="http://schemas.openxmlformats.org/markup-compatibility/2006">
-        <mc:Choice xmlns:a14="http://schemas.microsoft.com/office/drawing/2010/main" Requires="a14">
-          <p:sp>
-            <p:nvSpPr>
-              <p:cNvPr id="21" name="TextBox 20"/>
-              <p:cNvSpPr txBox="1"/>
-              <p:nvPr/>
-            </p:nvSpPr>
-            <p:spPr>
-              <a:xfrm>
-                <a:off x="8196106" y="2906070"/>
-                <a:ext cx="605660" cy="369332"/>
-              </a:xfrm>
-              <a:prstGeom prst="rect">
-                <a:avLst/>
-              </a:prstGeom>
-              <a:noFill/>
-            </p:spPr>
-            <p:txBody>
-              <a:bodyPr wrap="square" rtlCol="0">
-                <a:spAutoFit/>
-              </a:bodyPr>
-              <a:lstStyle/>
-              <a:p>
-                <a14:m>
-                  <m:oMathPara xmlns:m="http://schemas.openxmlformats.org/officeDocument/2006/math">
-                    <m:oMathParaPr>
-                      <m:jc m:val="centerGroup"/>
-                    </m:oMathParaPr>
-                    <m:oMath xmlns:m="http://schemas.openxmlformats.org/officeDocument/2006/math">
-                      <m:sSub>
-                        <m:sSubPr>
-                          <m:ctrlPr>
-                            <a:rPr lang="en-US" i="1" smtClean="0">
-                              <a:latin typeface="Cambria Math" charset="0"/>
-                            </a:rPr>
-                          </m:ctrlPr>
-                        </m:sSubPr>
-                        <m:e>
-                          <m:r>
-                            <a:rPr lang="es-ES" b="0" i="1" smtClean="0">
-                              <a:latin typeface="Cambria Math" charset="0"/>
-                            </a:rPr>
-                            <m:t>𝑦</m:t>
-                          </m:r>
-                        </m:e>
-                        <m:sub>
-                          <m:r>
-                            <a:rPr lang="es-ES" b="0" i="1" smtClean="0">
-                              <a:latin typeface="Cambria Math" charset="0"/>
-                            </a:rPr>
-                            <m:t>𝑛</m:t>
-                          </m:r>
-                        </m:sub>
-                      </m:sSub>
-                    </m:oMath>
-                  </m:oMathPara>
-                </a14:m>
-                <a:endParaRPr lang="en-US" dirty="0"/>
-              </a:p>
-            </p:txBody>
-          </p:sp>
-        </mc:Choice>
-        <mc:Fallback>
-          <p:sp>
-            <p:nvSpPr>
-              <p:cNvPr id="21" name="TextBox 20"/>
-              <p:cNvSpPr txBox="1">
-                <a:spLocks noRot="1" noChangeAspect="1" noMove="1" noResize="1" noEditPoints="1" noAdjustHandles="1" noChangeArrowheads="1" noChangeShapeType="1" noTextEdit="1"/>
-              </p:cNvSpPr>
-              <p:nvPr/>
-            </p:nvSpPr>
-            <p:spPr>
-              <a:xfrm>
-                <a:off x="8196106" y="2906070"/>
-                <a:ext cx="605660" cy="369332"/>
-              </a:xfrm>
-              <a:prstGeom prst="rect">
-                <a:avLst/>
-              </a:prstGeom>
-              <a:blipFill rotWithShape="0">
-                <a:blip r:embed="rId6"/>
-                <a:stretch>
-                  <a:fillRect b="-6667"/>
-                </a:stretch>
-              </a:blipFill>
-            </p:spPr>
-            <p:txBody>
-              <a:bodyPr/>
-              <a:lstStyle/>
-              <a:p>
-                <a:r>
-                  <a:rPr lang="en-US">
-                    <a:noFill/>
-                  </a:rPr>
-                  <a:t> </a:t>
-                </a:r>
-              </a:p>
-            </p:txBody>
-          </p:sp>
-        </mc:Fallback>
-      </mc:AlternateContent>
-      <p:sp>
-        <p:nvSpPr>
-          <p:cNvPr id="22" name="Left Brace 21"/>
-          <p:cNvSpPr/>
-          <p:nvPr/>
-        </p:nvSpPr>
-        <p:spPr>
-          <a:xfrm>
-            <a:off x="1770831" y="2154683"/>
-            <a:ext cx="328790" cy="1230790"/>
-          </a:xfrm>
-          <a:prstGeom prst="leftBrace">
-            <a:avLst/>
-          </a:prstGeom>
-          <a:ln w="34925">
-            <a:solidFill>
-              <a:schemeClr val="tx1"/>
-            </a:solidFill>
           </a:ln>
         </p:spPr>
         <p:style>
@@ -4013,33 +4517,31 @@
             <a:schemeClr val="tx1"/>
           </a:fontRef>
         </p:style>
-        <p:txBody>
-          <a:bodyPr rtlCol="0" anchor="ctr"/>
-          <a:lstStyle/>
-          <a:p>
-            <a:pPr algn="ctr"/>
-            <a:endParaRPr lang="en-US"/>
-          </a:p>
-        </p:txBody>
-      </p:sp>
-      <p:sp>
-        <p:nvSpPr>
-          <p:cNvPr id="23" name="Left Brace 22"/>
-          <p:cNvSpPr/>
+      </p:cxnSp>
+      <p:cxnSp>
+        <p:nvCxnSpPr>
+          <p:cNvPr id="44" name="Elbow Connector 43"/>
+          <p:cNvCxnSpPr>
+            <a:stCxn id="5" idx="0"/>
+            <a:endCxn id="6" idx="0"/>
+          </p:cNvCxnSpPr>
           <p:nvPr/>
-        </p:nvSpPr>
+        </p:nvCxnSpPr>
         <p:spPr>
-          <a:xfrm flipH="1">
-            <a:off x="8963004" y="2108225"/>
-            <a:ext cx="328790" cy="1230790"/>
+          <a:xfrm rot="16200000" flipH="1">
+            <a:off x="7805512" y="-879476"/>
+            <a:ext cx="330199" cy="4705350"/>
           </a:xfrm>
-          <a:prstGeom prst="leftBrace">
-            <a:avLst/>
+          <a:prstGeom prst="bentConnector3">
+            <a:avLst>
+              <a:gd name="adj1" fmla="val -69231"/>
+            </a:avLst>
           </a:prstGeom>
-          <a:ln w="34925">
+          <a:ln w="38100">
             <a:solidFill>
               <a:schemeClr val="tx1"/>
             </a:solidFill>
+            <a:tailEnd type="triangle"/>
           </a:ln>
         </p:spPr>
         <p:style>
@@ -4056,209 +4558,71 @@
             <a:schemeClr val="tx1"/>
           </a:fontRef>
         </p:style>
-        <p:txBody>
-          <a:bodyPr rtlCol="0" anchor="ctr"/>
-          <a:lstStyle/>
-          <a:p>
-            <a:pPr algn="ctr"/>
-            <a:endParaRPr lang="en-US"/>
-          </a:p>
-        </p:txBody>
-      </p:sp>
-      <mc:AlternateContent xmlns:mc="http://schemas.openxmlformats.org/markup-compatibility/2006">
-        <mc:Choice xmlns:a14="http://schemas.microsoft.com/office/drawing/2010/main" Requires="a14">
-          <p:sp>
-            <p:nvSpPr>
-              <p:cNvPr id="24" name="TextBox 23"/>
-              <p:cNvSpPr txBox="1"/>
-              <p:nvPr/>
-            </p:nvSpPr>
-            <p:spPr>
-              <a:xfrm>
-                <a:off x="1200184" y="2538954"/>
-                <a:ext cx="605660" cy="369332"/>
-              </a:xfrm>
-              <a:prstGeom prst="rect">
-                <a:avLst/>
-              </a:prstGeom>
-              <a:noFill/>
-            </p:spPr>
-            <p:txBody>
-              <a:bodyPr wrap="square" rtlCol="0">
-                <a:spAutoFit/>
-              </a:bodyPr>
-              <a:lstStyle/>
-              <a:p>
-                <a14:m>
-                  <m:oMathPara xmlns:m="http://schemas.openxmlformats.org/officeDocument/2006/math">
-                    <m:oMathParaPr>
-                      <m:jc m:val="centerGroup"/>
-                    </m:oMathParaPr>
-                    <m:oMath xmlns:m="http://schemas.openxmlformats.org/officeDocument/2006/math">
-                      <m:acc>
-                        <m:accPr>
-                          <m:chr m:val="⃗"/>
-                          <m:ctrlPr>
-                            <a:rPr lang="en-US" i="1" smtClean="0">
-                              <a:latin typeface="Cambria Math" charset="0"/>
-                            </a:rPr>
-                          </m:ctrlPr>
-                        </m:accPr>
-                        <m:e>
-                          <m:r>
-                            <a:rPr lang="es-ES" b="0" i="1" smtClean="0">
-                              <a:latin typeface="Cambria Math" charset="0"/>
-                            </a:rPr>
-                            <m:t>𝑥</m:t>
-                          </m:r>
-                        </m:e>
-                      </m:acc>
-                    </m:oMath>
-                  </m:oMathPara>
-                </a14:m>
-                <a:endParaRPr lang="en-US" dirty="0"/>
-              </a:p>
-            </p:txBody>
-          </p:sp>
-        </mc:Choice>
-        <mc:Fallback>
-          <p:sp>
-            <p:nvSpPr>
-              <p:cNvPr id="24" name="TextBox 23"/>
-              <p:cNvSpPr txBox="1">
-                <a:spLocks noRot="1" noChangeAspect="1" noMove="1" noResize="1" noEditPoints="1" noAdjustHandles="1" noChangeArrowheads="1" noChangeShapeType="1" noTextEdit="1"/>
-              </p:cNvSpPr>
-              <p:nvPr/>
-            </p:nvSpPr>
-            <p:spPr>
-              <a:xfrm>
-                <a:off x="1200184" y="2538954"/>
-                <a:ext cx="605660" cy="369332"/>
-              </a:xfrm>
-              <a:prstGeom prst="rect">
-                <a:avLst/>
-              </a:prstGeom>
-              <a:blipFill rotWithShape="0">
-                <a:blip r:embed="rId7"/>
-                <a:stretch>
-                  <a:fillRect t="-16393" r="-20202"/>
-                </a:stretch>
-              </a:blipFill>
-            </p:spPr>
-            <p:txBody>
-              <a:bodyPr/>
-              <a:lstStyle/>
-              <a:p>
-                <a:r>
-                  <a:rPr lang="en-US">
-                    <a:noFill/>
-                  </a:rPr>
-                  <a:t> </a:t>
-                </a:r>
-              </a:p>
-            </p:txBody>
-          </p:sp>
-        </mc:Fallback>
-      </mc:AlternateContent>
-      <mc:AlternateContent xmlns:mc="http://schemas.openxmlformats.org/markup-compatibility/2006">
-        <mc:Choice xmlns:a14="http://schemas.microsoft.com/office/drawing/2010/main" Requires="a14">
-          <p:sp>
-            <p:nvSpPr>
-              <p:cNvPr id="25" name="TextBox 24"/>
-              <p:cNvSpPr txBox="1"/>
-              <p:nvPr/>
-            </p:nvSpPr>
-            <p:spPr>
-              <a:xfrm>
-                <a:off x="9291651" y="2491274"/>
-                <a:ext cx="605660" cy="369332"/>
-              </a:xfrm>
-              <a:prstGeom prst="rect">
-                <a:avLst/>
-              </a:prstGeom>
-              <a:noFill/>
-            </p:spPr>
-            <p:txBody>
-              <a:bodyPr wrap="square" rtlCol="0">
-                <a:spAutoFit/>
-              </a:bodyPr>
-              <a:lstStyle/>
-              <a:p>
-                <a14:m>
-                  <m:oMathPara xmlns:m="http://schemas.openxmlformats.org/officeDocument/2006/math">
-                    <m:oMathParaPr>
-                      <m:jc m:val="centerGroup"/>
-                    </m:oMathParaPr>
-                    <m:oMath xmlns:m="http://schemas.openxmlformats.org/officeDocument/2006/math">
-                      <m:acc>
-                        <m:accPr>
-                          <m:chr m:val="⃗"/>
-                          <m:ctrlPr>
-                            <a:rPr lang="en-US" i="1" smtClean="0">
-                              <a:latin typeface="Cambria Math" charset="0"/>
-                            </a:rPr>
-                          </m:ctrlPr>
-                        </m:accPr>
-                        <m:e>
-                          <m:r>
-                            <a:rPr lang="es-ES" b="0" i="1" smtClean="0">
-                              <a:latin typeface="Cambria Math" charset="0"/>
-                            </a:rPr>
-                            <m:t>𝑦</m:t>
-                          </m:r>
-                        </m:e>
-                      </m:acc>
-                    </m:oMath>
-                  </m:oMathPara>
-                </a14:m>
-                <a:endParaRPr lang="en-US" dirty="0"/>
-              </a:p>
-            </p:txBody>
-          </p:sp>
-        </mc:Choice>
-        <mc:Fallback>
-          <p:sp>
-            <p:nvSpPr>
-              <p:cNvPr id="25" name="TextBox 24"/>
-              <p:cNvSpPr txBox="1">
-                <a:spLocks noRot="1" noChangeAspect="1" noMove="1" noResize="1" noEditPoints="1" noAdjustHandles="1" noChangeArrowheads="1" noChangeShapeType="1" noTextEdit="1"/>
-              </p:cNvSpPr>
-              <p:nvPr/>
-            </p:nvSpPr>
-            <p:spPr>
-              <a:xfrm>
-                <a:off x="9291651" y="2491274"/>
-                <a:ext cx="605660" cy="369332"/>
-              </a:xfrm>
-              <a:prstGeom prst="rect">
-                <a:avLst/>
-              </a:prstGeom>
-              <a:blipFill rotWithShape="0">
-                <a:blip r:embed="rId8"/>
-                <a:stretch>
-                  <a:fillRect t="-16667" r="-21000" b="-6667"/>
-                </a:stretch>
-              </a:blipFill>
-            </p:spPr>
-            <p:txBody>
-              <a:bodyPr/>
-              <a:lstStyle/>
-              <a:p>
-                <a:r>
-                  <a:rPr lang="en-US">
-                    <a:noFill/>
-                  </a:rPr>
-                  <a:t> </a:t>
-                </a:r>
-              </a:p>
-            </p:txBody>
-          </p:sp>
-        </mc:Fallback>
-      </mc:AlternateContent>
+      </p:cxnSp>
+      <p:sp>
+        <p:nvSpPr>
+          <p:cNvPr id="45" name="TextBox 44"/>
+          <p:cNvSpPr txBox="1"/>
+          <p:nvPr/>
+        </p:nvSpPr>
+        <p:spPr>
+          <a:xfrm>
+            <a:off x="6288767" y="558224"/>
+            <a:ext cx="3363687" cy="584775"/>
+          </a:xfrm>
+          <a:prstGeom prst="rect">
+            <a:avLst/>
+          </a:prstGeom>
+          <a:noFill/>
+        </p:spPr>
+        <p:txBody>
+          <a:bodyPr wrap="square" rtlCol="0">
+            <a:spAutoFit/>
+          </a:bodyPr>
+          <a:lstStyle/>
+          <a:p>
+            <a:r>
+              <a:rPr lang="en-US" sz="3200" smtClean="0"/>
+              <a:t>New observations</a:t>
+            </a:r>
+            <a:endParaRPr lang="en-US" sz="3200"/>
+          </a:p>
+        </p:txBody>
+      </p:sp>
+      <p:sp>
+        <p:nvSpPr>
+          <p:cNvPr id="46" name="TextBox 45"/>
+          <p:cNvSpPr txBox="1"/>
+          <p:nvPr/>
+        </p:nvSpPr>
+        <p:spPr>
+          <a:xfrm>
+            <a:off x="5776686" y="4023422"/>
+            <a:ext cx="4387850" cy="584775"/>
+          </a:xfrm>
+          <a:prstGeom prst="rect">
+            <a:avLst/>
+          </a:prstGeom>
+          <a:noFill/>
+        </p:spPr>
+        <p:txBody>
+          <a:bodyPr wrap="square" rtlCol="0">
+            <a:spAutoFit/>
+          </a:bodyPr>
+          <a:lstStyle/>
+          <a:p>
+            <a:r>
+              <a:rPr lang="en-US" sz="3200" smtClean="0"/>
+              <a:t>Proposed experiments</a:t>
+            </a:r>
+            <a:endParaRPr lang="en-US" sz="3200"/>
+          </a:p>
+        </p:txBody>
+      </p:sp>
     </p:spTree>
     <p:extLst>
       <p:ext uri="{BB962C8B-B14F-4D97-AF65-F5344CB8AC3E}">
-        <p14:creationId xmlns:p14="http://schemas.microsoft.com/office/powerpoint/2010/main" val="951302517"/>
+        <p14:creationId xmlns:p14="http://schemas.microsoft.com/office/powerpoint/2010/main" val="1568490898"/>
       </p:ext>
     </p:extLst>
   </p:cSld>

--- a/Tool_Resources/drawings.pptx
+++ b/Tool_Resources/drawings.pptx
@@ -7,6 +7,8 @@
   <p:sldIdLst>
     <p:sldId id="256" r:id="rId2"/>
     <p:sldId id="257" r:id="rId3"/>
+    <p:sldId id="259" r:id="rId4"/>
+    <p:sldId id="258" r:id="rId5"/>
   </p:sldIdLst>
   <p:sldSz cx="12192000" cy="6858000"/>
   <p:notesSz cx="6858000" cy="9144000"/>
@@ -4312,317 +4314,1048 @@
           <a:chExt cx="0" cy="0"/>
         </a:xfrm>
       </p:grpSpPr>
-      <p:sp>
-        <p:nvSpPr>
-          <p:cNvPr id="4" name="Oval 3"/>
-          <p:cNvSpPr/>
+      <p:grpSp>
+        <p:nvGrpSpPr>
+          <p:cNvPr id="47" name="Group 46"/>
+          <p:cNvGrpSpPr/>
           <p:nvPr/>
-        </p:nvSpPr>
-        <p:spPr>
+        </p:nvGrpSpPr>
+        <p:grpSpPr>
           <a:xfrm>
-            <a:off x="1387928" y="1638299"/>
-            <a:ext cx="1761672" cy="1724725"/>
+            <a:off x="1387928" y="558224"/>
+            <a:ext cx="10346872" cy="4049973"/>
+            <a:chOff x="1387928" y="558224"/>
+            <a:chExt cx="10346872" cy="4049973"/>
           </a:xfrm>
-          <a:prstGeom prst="ellipse">
-            <a:avLst/>
-          </a:prstGeom>
-        </p:spPr>
-        <p:style>
-          <a:lnRef idx="1">
-            <a:schemeClr val="accent3"/>
-          </a:lnRef>
-          <a:fillRef idx="2">
-            <a:schemeClr val="accent3"/>
-          </a:fillRef>
-          <a:effectRef idx="1">
-            <a:schemeClr val="accent3"/>
-          </a:effectRef>
-          <a:fontRef idx="minor">
-            <a:schemeClr val="dk1"/>
-          </a:fontRef>
-        </p:style>
-        <p:txBody>
-          <a:bodyPr rtlCol="0" anchor="ctr"/>
-          <a:lstStyle/>
-          <a:p>
-            <a:pPr algn="ctr"/>
-            <a:r>
-              <a:rPr lang="en-US" sz="3200" dirty="0" smtClean="0"/>
-              <a:t>Initial Inputs</a:t>
-            </a:r>
-            <a:endParaRPr lang="en-US" sz="3200" dirty="0"/>
-          </a:p>
-        </p:txBody>
-      </p:sp>
-      <p:sp>
-        <p:nvSpPr>
-          <p:cNvPr id="5" name="Oval 4"/>
-          <p:cNvSpPr/>
-          <p:nvPr/>
-        </p:nvSpPr>
-        <p:spPr>
-          <a:xfrm>
-            <a:off x="3975100" y="1308100"/>
-            <a:ext cx="3285673" cy="2385125"/>
-          </a:xfrm>
-          <a:prstGeom prst="ellipse">
-            <a:avLst/>
-          </a:prstGeom>
-        </p:spPr>
-        <p:style>
-          <a:lnRef idx="1">
-            <a:schemeClr val="accent3"/>
-          </a:lnRef>
-          <a:fillRef idx="2">
-            <a:schemeClr val="accent3"/>
-          </a:fillRef>
-          <a:effectRef idx="1">
-            <a:schemeClr val="accent3"/>
-          </a:effectRef>
-          <a:fontRef idx="minor">
-            <a:schemeClr val="dk1"/>
-          </a:fontRef>
-        </p:style>
-        <p:txBody>
-          <a:bodyPr rtlCol="0" anchor="ctr"/>
-          <a:lstStyle/>
-          <a:p>
-            <a:pPr algn="ctr"/>
-            <a:r>
-              <a:rPr lang="en-US" sz="3200" dirty="0" smtClean="0"/>
-              <a:t>Optimization Process</a:t>
-            </a:r>
-            <a:endParaRPr lang="en-US" sz="3200" dirty="0"/>
-          </a:p>
-        </p:txBody>
-      </p:sp>
-      <p:sp>
-        <p:nvSpPr>
-          <p:cNvPr id="6" name="Oval 5"/>
-          <p:cNvSpPr/>
-          <p:nvPr/>
-        </p:nvSpPr>
-        <p:spPr>
-          <a:xfrm>
-            <a:off x="8911773" y="1638299"/>
-            <a:ext cx="2823027" cy="2054923"/>
-          </a:xfrm>
-          <a:prstGeom prst="ellipse">
-            <a:avLst/>
-          </a:prstGeom>
-        </p:spPr>
-        <p:style>
-          <a:lnRef idx="1">
-            <a:schemeClr val="accent3"/>
-          </a:lnRef>
-          <a:fillRef idx="2">
-            <a:schemeClr val="accent3"/>
-          </a:fillRef>
-          <a:effectRef idx="1">
-            <a:schemeClr val="accent3"/>
-          </a:effectRef>
-          <a:fontRef idx="minor">
-            <a:schemeClr val="dk1"/>
-          </a:fontRef>
-        </p:style>
-        <p:txBody>
-          <a:bodyPr rtlCol="0" anchor="ctr"/>
-          <a:lstStyle/>
-          <a:p>
-            <a:pPr algn="ctr"/>
-            <a:r>
-              <a:rPr lang="en-US" sz="3200" dirty="0" smtClean="0"/>
-              <a:t>Simulation</a:t>
-            </a:r>
-            <a:endParaRPr lang="en-US" sz="3200" dirty="0"/>
-          </a:p>
-        </p:txBody>
-      </p:sp>
-      <p:cxnSp>
-        <p:nvCxnSpPr>
-          <p:cNvPr id="7" name="Straight Arrow Connector 6"/>
-          <p:cNvCxnSpPr>
-            <a:stCxn id="4" idx="6"/>
-            <a:endCxn id="5" idx="2"/>
-          </p:cNvCxnSpPr>
-          <p:nvPr/>
-        </p:nvCxnSpPr>
-        <p:spPr>
-          <a:xfrm>
-            <a:off x="3149600" y="2500662"/>
-            <a:ext cx="825500" cy="1"/>
-          </a:xfrm>
-          <a:prstGeom prst="straightConnector1">
-            <a:avLst/>
-          </a:prstGeom>
-          <a:ln w="38100">
-            <a:solidFill>
+        </p:grpSpPr>
+        <p:sp>
+          <p:nvSpPr>
+            <p:cNvPr id="4" name="Oval 3"/>
+            <p:cNvSpPr/>
+            <p:nvPr/>
+          </p:nvSpPr>
+          <p:spPr>
+            <a:xfrm>
+              <a:off x="1387928" y="1638299"/>
+              <a:ext cx="1761672" cy="1724725"/>
+            </a:xfrm>
+            <a:prstGeom prst="ellipse">
+              <a:avLst/>
+            </a:prstGeom>
+          </p:spPr>
+          <p:style>
+            <a:lnRef idx="1">
+              <a:schemeClr val="accent3"/>
+            </a:lnRef>
+            <a:fillRef idx="2">
+              <a:schemeClr val="accent3"/>
+            </a:fillRef>
+            <a:effectRef idx="1">
+              <a:schemeClr val="accent3"/>
+            </a:effectRef>
+            <a:fontRef idx="minor">
+              <a:schemeClr val="dk1"/>
+            </a:fontRef>
+          </p:style>
+          <p:txBody>
+            <a:bodyPr rtlCol="0" anchor="ctr"/>
+            <a:lstStyle/>
+            <a:p>
+              <a:pPr algn="ctr"/>
+              <a:r>
+                <a:rPr lang="en-US" sz="3200" dirty="0" smtClean="0"/>
+                <a:t>Initial Inputs</a:t>
+              </a:r>
+              <a:endParaRPr lang="en-US" sz="3200" dirty="0"/>
+            </a:p>
+          </p:txBody>
+        </p:sp>
+        <p:sp>
+          <p:nvSpPr>
+            <p:cNvPr id="5" name="Oval 4"/>
+            <p:cNvSpPr/>
+            <p:nvPr/>
+          </p:nvSpPr>
+          <p:spPr>
+            <a:xfrm>
+              <a:off x="3975100" y="1308100"/>
+              <a:ext cx="3285673" cy="2385125"/>
+            </a:xfrm>
+            <a:prstGeom prst="ellipse">
+              <a:avLst/>
+            </a:prstGeom>
+          </p:spPr>
+          <p:style>
+            <a:lnRef idx="1">
+              <a:schemeClr val="accent3"/>
+            </a:lnRef>
+            <a:fillRef idx="2">
+              <a:schemeClr val="accent3"/>
+            </a:fillRef>
+            <a:effectRef idx="1">
+              <a:schemeClr val="accent3"/>
+            </a:effectRef>
+            <a:fontRef idx="minor">
+              <a:schemeClr val="dk1"/>
+            </a:fontRef>
+          </p:style>
+          <p:txBody>
+            <a:bodyPr rtlCol="0" anchor="ctr"/>
+            <a:lstStyle/>
+            <a:p>
+              <a:pPr algn="ctr"/>
+              <a:r>
+                <a:rPr lang="en-US" sz="3200" dirty="0" smtClean="0"/>
+                <a:t>Optimization Process</a:t>
+              </a:r>
+              <a:endParaRPr lang="en-US" sz="3200" dirty="0"/>
+            </a:p>
+          </p:txBody>
+        </p:sp>
+        <p:sp>
+          <p:nvSpPr>
+            <p:cNvPr id="6" name="Oval 5"/>
+            <p:cNvSpPr/>
+            <p:nvPr/>
+          </p:nvSpPr>
+          <p:spPr>
+            <a:xfrm>
+              <a:off x="8911773" y="1638299"/>
+              <a:ext cx="2823027" cy="2054923"/>
+            </a:xfrm>
+            <a:prstGeom prst="ellipse">
+              <a:avLst/>
+            </a:prstGeom>
+          </p:spPr>
+          <p:style>
+            <a:lnRef idx="1">
+              <a:schemeClr val="accent3"/>
+            </a:lnRef>
+            <a:fillRef idx="2">
+              <a:schemeClr val="accent3"/>
+            </a:fillRef>
+            <a:effectRef idx="1">
+              <a:schemeClr val="accent3"/>
+            </a:effectRef>
+            <a:fontRef idx="minor">
+              <a:schemeClr val="dk1"/>
+            </a:fontRef>
+          </p:style>
+          <p:txBody>
+            <a:bodyPr rtlCol="0" anchor="ctr"/>
+            <a:lstStyle/>
+            <a:p>
+              <a:pPr algn="ctr"/>
+              <a:r>
+                <a:rPr lang="en-US" sz="3200" dirty="0" smtClean="0"/>
+                <a:t>Simulation</a:t>
+              </a:r>
+              <a:endParaRPr lang="en-US" sz="3200" dirty="0"/>
+            </a:p>
+          </p:txBody>
+        </p:sp>
+        <p:cxnSp>
+          <p:nvCxnSpPr>
+            <p:cNvPr id="7" name="Straight Arrow Connector 6"/>
+            <p:cNvCxnSpPr>
+              <a:stCxn id="4" idx="6"/>
+              <a:endCxn id="5" idx="2"/>
+            </p:cNvCxnSpPr>
+            <p:nvPr/>
+          </p:nvCxnSpPr>
+          <p:spPr>
+            <a:xfrm>
+              <a:off x="3149600" y="2500662"/>
+              <a:ext cx="825500" cy="1"/>
+            </a:xfrm>
+            <a:prstGeom prst="straightConnector1">
+              <a:avLst/>
+            </a:prstGeom>
+            <a:ln w="38100">
+              <a:solidFill>
+                <a:schemeClr val="tx1"/>
+              </a:solidFill>
+              <a:tailEnd type="triangle"/>
+            </a:ln>
+          </p:spPr>
+          <p:style>
+            <a:lnRef idx="2">
+              <a:schemeClr val="accent1"/>
+            </a:lnRef>
+            <a:fillRef idx="0">
+              <a:schemeClr val="accent1"/>
+            </a:fillRef>
+            <a:effectRef idx="1">
+              <a:schemeClr val="accent1"/>
+            </a:effectRef>
+            <a:fontRef idx="minor">
               <a:schemeClr val="tx1"/>
-            </a:solidFill>
-            <a:tailEnd type="triangle"/>
-          </a:ln>
-        </p:spPr>
-        <p:style>
-          <a:lnRef idx="2">
-            <a:schemeClr val="accent1"/>
-          </a:lnRef>
-          <a:fillRef idx="0">
-            <a:schemeClr val="accent1"/>
-          </a:fillRef>
-          <a:effectRef idx="1">
-            <a:schemeClr val="accent1"/>
-          </a:effectRef>
-          <a:fontRef idx="minor">
-            <a:schemeClr val="tx1"/>
-          </a:fontRef>
-        </p:style>
-      </p:cxnSp>
-      <p:cxnSp>
-        <p:nvCxnSpPr>
-          <p:cNvPr id="38" name="Elbow Connector 37"/>
-          <p:cNvCxnSpPr>
-            <a:stCxn id="6" idx="4"/>
-            <a:endCxn id="5" idx="4"/>
-          </p:cNvCxnSpPr>
-          <p:nvPr/>
-        </p:nvCxnSpPr>
-        <p:spPr>
-          <a:xfrm rot="5400000">
-            <a:off x="7970611" y="1340548"/>
-            <a:ext cx="3" cy="4705350"/>
-          </a:xfrm>
-          <a:prstGeom prst="bentConnector3">
-            <a:avLst>
-              <a:gd name="adj1" fmla="val 7620100000"/>
-            </a:avLst>
-          </a:prstGeom>
-          <a:ln w="38100">
-            <a:solidFill>
+            </a:fontRef>
+          </p:style>
+        </p:cxnSp>
+        <p:cxnSp>
+          <p:nvCxnSpPr>
+            <p:cNvPr id="38" name="Elbow Connector 37"/>
+            <p:cNvCxnSpPr>
+              <a:stCxn id="6" idx="4"/>
+              <a:endCxn id="5" idx="4"/>
+            </p:cNvCxnSpPr>
+            <p:nvPr/>
+          </p:nvCxnSpPr>
+          <p:spPr>
+            <a:xfrm rot="5400000">
+              <a:off x="7970611" y="1340548"/>
+              <a:ext cx="3" cy="4705350"/>
+            </a:xfrm>
+            <a:prstGeom prst="bentConnector3">
+              <a:avLst>
+                <a:gd name="adj1" fmla="val 7620100000"/>
+              </a:avLst>
+            </a:prstGeom>
+            <a:ln w="38100">
+              <a:solidFill>
+                <a:schemeClr val="tx1"/>
+              </a:solidFill>
+              <a:tailEnd type="triangle"/>
+            </a:ln>
+          </p:spPr>
+          <p:style>
+            <a:lnRef idx="1">
+              <a:schemeClr val="accent1"/>
+            </a:lnRef>
+            <a:fillRef idx="0">
+              <a:schemeClr val="accent1"/>
+            </a:fillRef>
+            <a:effectRef idx="0">
+              <a:schemeClr val="accent1"/>
+            </a:effectRef>
+            <a:fontRef idx="minor">
               <a:schemeClr val="tx1"/>
-            </a:solidFill>
-            <a:tailEnd type="triangle"/>
-          </a:ln>
-        </p:spPr>
-        <p:style>
-          <a:lnRef idx="1">
-            <a:schemeClr val="accent1"/>
-          </a:lnRef>
-          <a:fillRef idx="0">
-            <a:schemeClr val="accent1"/>
-          </a:fillRef>
-          <a:effectRef idx="0">
-            <a:schemeClr val="accent1"/>
-          </a:effectRef>
-          <a:fontRef idx="minor">
-            <a:schemeClr val="tx1"/>
-          </a:fontRef>
-        </p:style>
-      </p:cxnSp>
-      <p:cxnSp>
-        <p:nvCxnSpPr>
-          <p:cNvPr id="44" name="Elbow Connector 43"/>
-          <p:cNvCxnSpPr>
-            <a:stCxn id="5" idx="0"/>
-            <a:endCxn id="6" idx="0"/>
-          </p:cNvCxnSpPr>
-          <p:nvPr/>
-        </p:nvCxnSpPr>
-        <p:spPr>
-          <a:xfrm rot="16200000" flipH="1">
-            <a:off x="7805512" y="-879476"/>
-            <a:ext cx="330199" cy="4705350"/>
-          </a:xfrm>
-          <a:prstGeom prst="bentConnector3">
-            <a:avLst>
-              <a:gd name="adj1" fmla="val -69231"/>
-            </a:avLst>
-          </a:prstGeom>
-          <a:ln w="38100">
-            <a:solidFill>
+            </a:fontRef>
+          </p:style>
+        </p:cxnSp>
+        <p:cxnSp>
+          <p:nvCxnSpPr>
+            <p:cNvPr id="44" name="Elbow Connector 43"/>
+            <p:cNvCxnSpPr>
+              <a:stCxn id="5" idx="0"/>
+              <a:endCxn id="6" idx="0"/>
+            </p:cNvCxnSpPr>
+            <p:nvPr/>
+          </p:nvCxnSpPr>
+          <p:spPr>
+            <a:xfrm rot="16200000" flipH="1">
+              <a:off x="7805512" y="-879476"/>
+              <a:ext cx="330199" cy="4705350"/>
+            </a:xfrm>
+            <a:prstGeom prst="bentConnector3">
+              <a:avLst>
+                <a:gd name="adj1" fmla="val -69231"/>
+              </a:avLst>
+            </a:prstGeom>
+            <a:ln w="38100">
+              <a:solidFill>
+                <a:schemeClr val="tx1"/>
+              </a:solidFill>
+              <a:tailEnd type="triangle"/>
+            </a:ln>
+          </p:spPr>
+          <p:style>
+            <a:lnRef idx="1">
+              <a:schemeClr val="accent1"/>
+            </a:lnRef>
+            <a:fillRef idx="0">
+              <a:schemeClr val="accent1"/>
+            </a:fillRef>
+            <a:effectRef idx="0">
+              <a:schemeClr val="accent1"/>
+            </a:effectRef>
+            <a:fontRef idx="minor">
               <a:schemeClr val="tx1"/>
-            </a:solidFill>
-            <a:tailEnd type="triangle"/>
-          </a:ln>
-        </p:spPr>
-        <p:style>
-          <a:lnRef idx="1">
-            <a:schemeClr val="accent1"/>
-          </a:lnRef>
-          <a:fillRef idx="0">
-            <a:schemeClr val="accent1"/>
-          </a:fillRef>
-          <a:effectRef idx="0">
-            <a:schemeClr val="accent1"/>
-          </a:effectRef>
-          <a:fontRef idx="minor">
-            <a:schemeClr val="tx1"/>
-          </a:fontRef>
-        </p:style>
-      </p:cxnSp>
-      <p:sp>
-        <p:nvSpPr>
-          <p:cNvPr id="45" name="TextBox 44"/>
-          <p:cNvSpPr txBox="1"/>
-          <p:nvPr/>
-        </p:nvSpPr>
-        <p:spPr>
-          <a:xfrm>
-            <a:off x="6288767" y="558224"/>
-            <a:ext cx="3363687" cy="584775"/>
-          </a:xfrm>
-          <a:prstGeom prst="rect">
-            <a:avLst/>
-          </a:prstGeom>
-          <a:noFill/>
-        </p:spPr>
-        <p:txBody>
-          <a:bodyPr wrap="square" rtlCol="0">
-            <a:spAutoFit/>
-          </a:bodyPr>
-          <a:lstStyle/>
-          <a:p>
-            <a:r>
-              <a:rPr lang="en-US" sz="3200" smtClean="0"/>
-              <a:t>New observations</a:t>
-            </a:r>
-            <a:endParaRPr lang="en-US" sz="3200"/>
-          </a:p>
-        </p:txBody>
-      </p:sp>
-      <p:sp>
-        <p:nvSpPr>
-          <p:cNvPr id="46" name="TextBox 45"/>
-          <p:cNvSpPr txBox="1"/>
-          <p:nvPr/>
-        </p:nvSpPr>
-        <p:spPr>
-          <a:xfrm>
-            <a:off x="5776686" y="4023422"/>
-            <a:ext cx="4387850" cy="584775"/>
-          </a:xfrm>
-          <a:prstGeom prst="rect">
-            <a:avLst/>
-          </a:prstGeom>
-          <a:noFill/>
-        </p:spPr>
-        <p:txBody>
-          <a:bodyPr wrap="square" rtlCol="0">
-            <a:spAutoFit/>
-          </a:bodyPr>
-          <a:lstStyle/>
-          <a:p>
-            <a:r>
-              <a:rPr lang="en-US" sz="3200" smtClean="0"/>
-              <a:t>Proposed experiments</a:t>
-            </a:r>
-            <a:endParaRPr lang="en-US" sz="3200"/>
-          </a:p>
-        </p:txBody>
-      </p:sp>
+            </a:fontRef>
+          </p:style>
+        </p:cxnSp>
+        <p:sp>
+          <p:nvSpPr>
+            <p:cNvPr id="45" name="TextBox 44"/>
+            <p:cNvSpPr txBox="1"/>
+            <p:nvPr/>
+          </p:nvSpPr>
+          <p:spPr>
+            <a:xfrm>
+              <a:off x="6288767" y="558224"/>
+              <a:ext cx="4034520" cy="584775"/>
+            </a:xfrm>
+            <a:prstGeom prst="rect">
+              <a:avLst/>
+            </a:prstGeom>
+            <a:noFill/>
+          </p:spPr>
+          <p:txBody>
+            <a:bodyPr wrap="square" rtlCol="0">
+              <a:spAutoFit/>
+            </a:bodyPr>
+            <a:lstStyle/>
+            <a:p>
+              <a:r>
+                <a:rPr lang="en-US" sz="3200" smtClean="0"/>
+                <a:t>New observations</a:t>
+              </a:r>
+              <a:endParaRPr lang="en-US" sz="3200"/>
+            </a:p>
+          </p:txBody>
+        </p:sp>
+        <p:sp>
+          <p:nvSpPr>
+            <p:cNvPr id="46" name="TextBox 45"/>
+            <p:cNvSpPr txBox="1"/>
+            <p:nvPr/>
+          </p:nvSpPr>
+          <p:spPr>
+            <a:xfrm>
+              <a:off x="5776686" y="4023422"/>
+              <a:ext cx="4387850" cy="584775"/>
+            </a:xfrm>
+            <a:prstGeom prst="rect">
+              <a:avLst/>
+            </a:prstGeom>
+            <a:noFill/>
+          </p:spPr>
+          <p:txBody>
+            <a:bodyPr wrap="square" rtlCol="0">
+              <a:spAutoFit/>
+            </a:bodyPr>
+            <a:lstStyle/>
+            <a:p>
+              <a:r>
+                <a:rPr lang="en-US" sz="3200" smtClean="0"/>
+                <a:t>Proposed experiments</a:t>
+              </a:r>
+              <a:endParaRPr lang="en-US" sz="3200"/>
+            </a:p>
+          </p:txBody>
+        </p:sp>
+      </p:grpSp>
     </p:spTree>
     <p:extLst>
       <p:ext uri="{BB962C8B-B14F-4D97-AF65-F5344CB8AC3E}">
         <p14:creationId xmlns:p14="http://schemas.microsoft.com/office/powerpoint/2010/main" val="1568490898"/>
+      </p:ext>
+    </p:extLst>
+  </p:cSld>
+  <p:clrMapOvr>
+    <a:masterClrMapping/>
+  </p:clrMapOvr>
+</p:sld>
+</file>
+
+<file path=ppt/slides/slide3.xml><?xml version="1.0" encoding="utf-8"?>
+<p:sld xmlns:a="http://schemas.openxmlformats.org/drawingml/2006/main" xmlns:r="http://schemas.openxmlformats.org/officeDocument/2006/relationships" xmlns:p="http://schemas.openxmlformats.org/presentationml/2006/main">
+  <p:cSld>
+    <p:spTree>
+      <p:nvGrpSpPr>
+        <p:cNvPr id="1" name=""/>
+        <p:cNvGrpSpPr/>
+        <p:nvPr/>
+      </p:nvGrpSpPr>
+      <p:grpSpPr>
+        <a:xfrm>
+          <a:off x="0" y="0"/>
+          <a:ext cx="0" cy="0"/>
+          <a:chOff x="0" y="0"/>
+          <a:chExt cx="0" cy="0"/>
+        </a:xfrm>
+      </p:grpSpPr>
+      <p:grpSp>
+        <p:nvGrpSpPr>
+          <p:cNvPr id="47" name="Group 46"/>
+          <p:cNvGrpSpPr/>
+          <p:nvPr/>
+        </p:nvGrpSpPr>
+        <p:grpSpPr>
+          <a:xfrm>
+            <a:off x="1387928" y="558224"/>
+            <a:ext cx="10346872" cy="4049973"/>
+            <a:chOff x="1387928" y="558224"/>
+            <a:chExt cx="10346872" cy="4049973"/>
+          </a:xfrm>
+        </p:grpSpPr>
+        <p:sp>
+          <p:nvSpPr>
+            <p:cNvPr id="4" name="Oval 3"/>
+            <p:cNvSpPr/>
+            <p:nvPr/>
+          </p:nvSpPr>
+          <p:spPr>
+            <a:xfrm>
+              <a:off x="1387928" y="1638299"/>
+              <a:ext cx="1761672" cy="1724725"/>
+            </a:xfrm>
+            <a:prstGeom prst="ellipse">
+              <a:avLst/>
+            </a:prstGeom>
+            <a:solidFill>
+              <a:schemeClr val="accent6">
+                <a:lumMod val="60000"/>
+                <a:lumOff val="40000"/>
+              </a:schemeClr>
+            </a:solidFill>
+          </p:spPr>
+          <p:style>
+            <a:lnRef idx="1">
+              <a:schemeClr val="accent3"/>
+            </a:lnRef>
+            <a:fillRef idx="2">
+              <a:schemeClr val="accent3"/>
+            </a:fillRef>
+            <a:effectRef idx="1">
+              <a:schemeClr val="accent3"/>
+            </a:effectRef>
+            <a:fontRef idx="minor">
+              <a:schemeClr val="dk1"/>
+            </a:fontRef>
+          </p:style>
+          <p:txBody>
+            <a:bodyPr rtlCol="0" anchor="ctr"/>
+            <a:lstStyle/>
+            <a:p>
+              <a:pPr algn="ctr"/>
+              <a:r>
+                <a:rPr lang="en-US" sz="3200" dirty="0" smtClean="0"/>
+                <a:t>Initial Inputs</a:t>
+              </a:r>
+              <a:endParaRPr lang="en-US" sz="3200" dirty="0"/>
+            </a:p>
+          </p:txBody>
+        </p:sp>
+        <p:sp>
+          <p:nvSpPr>
+            <p:cNvPr id="5" name="Oval 4"/>
+            <p:cNvSpPr/>
+            <p:nvPr/>
+          </p:nvSpPr>
+          <p:spPr>
+            <a:xfrm>
+              <a:off x="3975100" y="1308100"/>
+              <a:ext cx="3285673" cy="2385125"/>
+            </a:xfrm>
+            <a:prstGeom prst="ellipse">
+              <a:avLst/>
+            </a:prstGeom>
+          </p:spPr>
+          <p:style>
+            <a:lnRef idx="1">
+              <a:schemeClr val="accent3"/>
+            </a:lnRef>
+            <a:fillRef idx="2">
+              <a:schemeClr val="accent3"/>
+            </a:fillRef>
+            <a:effectRef idx="1">
+              <a:schemeClr val="accent3"/>
+            </a:effectRef>
+            <a:fontRef idx="minor">
+              <a:schemeClr val="dk1"/>
+            </a:fontRef>
+          </p:style>
+          <p:txBody>
+            <a:bodyPr rtlCol="0" anchor="ctr"/>
+            <a:lstStyle/>
+            <a:p>
+              <a:pPr algn="ctr"/>
+              <a:r>
+                <a:rPr lang="en-US" sz="3200" dirty="0" smtClean="0"/>
+                <a:t>Optimization Process</a:t>
+              </a:r>
+              <a:endParaRPr lang="en-US" sz="3200" dirty="0"/>
+            </a:p>
+          </p:txBody>
+        </p:sp>
+        <p:sp>
+          <p:nvSpPr>
+            <p:cNvPr id="6" name="Oval 5"/>
+            <p:cNvSpPr/>
+            <p:nvPr/>
+          </p:nvSpPr>
+          <p:spPr>
+            <a:xfrm>
+              <a:off x="8911773" y="1638299"/>
+              <a:ext cx="2823027" cy="2054923"/>
+            </a:xfrm>
+            <a:prstGeom prst="ellipse">
+              <a:avLst/>
+            </a:prstGeom>
+          </p:spPr>
+          <p:style>
+            <a:lnRef idx="1">
+              <a:schemeClr val="accent3"/>
+            </a:lnRef>
+            <a:fillRef idx="2">
+              <a:schemeClr val="accent3"/>
+            </a:fillRef>
+            <a:effectRef idx="1">
+              <a:schemeClr val="accent3"/>
+            </a:effectRef>
+            <a:fontRef idx="minor">
+              <a:schemeClr val="dk1"/>
+            </a:fontRef>
+          </p:style>
+          <p:txBody>
+            <a:bodyPr rtlCol="0" anchor="ctr"/>
+            <a:lstStyle/>
+            <a:p>
+              <a:pPr algn="ctr"/>
+              <a:r>
+                <a:rPr lang="en-US" sz="3200" dirty="0" smtClean="0"/>
+                <a:t>Simulation</a:t>
+              </a:r>
+              <a:endParaRPr lang="en-US" sz="3200" dirty="0"/>
+            </a:p>
+          </p:txBody>
+        </p:sp>
+        <p:cxnSp>
+          <p:nvCxnSpPr>
+            <p:cNvPr id="7" name="Straight Arrow Connector 6"/>
+            <p:cNvCxnSpPr>
+              <a:stCxn id="4" idx="6"/>
+              <a:endCxn id="5" idx="2"/>
+            </p:cNvCxnSpPr>
+            <p:nvPr/>
+          </p:nvCxnSpPr>
+          <p:spPr>
+            <a:xfrm>
+              <a:off x="3149600" y="2500662"/>
+              <a:ext cx="825500" cy="1"/>
+            </a:xfrm>
+            <a:prstGeom prst="straightConnector1">
+              <a:avLst/>
+            </a:prstGeom>
+            <a:ln w="38100">
+              <a:solidFill>
+                <a:schemeClr val="tx1"/>
+              </a:solidFill>
+              <a:tailEnd type="triangle"/>
+            </a:ln>
+          </p:spPr>
+          <p:style>
+            <a:lnRef idx="2">
+              <a:schemeClr val="accent1"/>
+            </a:lnRef>
+            <a:fillRef idx="0">
+              <a:schemeClr val="accent1"/>
+            </a:fillRef>
+            <a:effectRef idx="1">
+              <a:schemeClr val="accent1"/>
+            </a:effectRef>
+            <a:fontRef idx="minor">
+              <a:schemeClr val="tx1"/>
+            </a:fontRef>
+          </p:style>
+        </p:cxnSp>
+        <p:cxnSp>
+          <p:nvCxnSpPr>
+            <p:cNvPr id="38" name="Elbow Connector 37"/>
+            <p:cNvCxnSpPr>
+              <a:stCxn id="6" idx="4"/>
+              <a:endCxn id="5" idx="4"/>
+            </p:cNvCxnSpPr>
+            <p:nvPr/>
+          </p:nvCxnSpPr>
+          <p:spPr>
+            <a:xfrm rot="5400000">
+              <a:off x="7970611" y="1340548"/>
+              <a:ext cx="3" cy="4705350"/>
+            </a:xfrm>
+            <a:prstGeom prst="bentConnector3">
+              <a:avLst>
+                <a:gd name="adj1" fmla="val 7620100000"/>
+              </a:avLst>
+            </a:prstGeom>
+            <a:ln w="38100">
+              <a:solidFill>
+                <a:schemeClr val="tx1"/>
+              </a:solidFill>
+              <a:tailEnd type="triangle"/>
+            </a:ln>
+          </p:spPr>
+          <p:style>
+            <a:lnRef idx="1">
+              <a:schemeClr val="accent1"/>
+            </a:lnRef>
+            <a:fillRef idx="0">
+              <a:schemeClr val="accent1"/>
+            </a:fillRef>
+            <a:effectRef idx="0">
+              <a:schemeClr val="accent1"/>
+            </a:effectRef>
+            <a:fontRef idx="minor">
+              <a:schemeClr val="tx1"/>
+            </a:fontRef>
+          </p:style>
+        </p:cxnSp>
+        <p:cxnSp>
+          <p:nvCxnSpPr>
+            <p:cNvPr id="44" name="Elbow Connector 43"/>
+            <p:cNvCxnSpPr>
+              <a:stCxn id="5" idx="0"/>
+              <a:endCxn id="6" idx="0"/>
+            </p:cNvCxnSpPr>
+            <p:nvPr/>
+          </p:nvCxnSpPr>
+          <p:spPr>
+            <a:xfrm rot="16200000" flipH="1">
+              <a:off x="7805512" y="-879476"/>
+              <a:ext cx="330199" cy="4705350"/>
+            </a:xfrm>
+            <a:prstGeom prst="bentConnector3">
+              <a:avLst>
+                <a:gd name="adj1" fmla="val -69231"/>
+              </a:avLst>
+            </a:prstGeom>
+            <a:ln w="38100">
+              <a:solidFill>
+                <a:schemeClr val="tx1"/>
+              </a:solidFill>
+              <a:tailEnd type="triangle"/>
+            </a:ln>
+          </p:spPr>
+          <p:style>
+            <a:lnRef idx="1">
+              <a:schemeClr val="accent1"/>
+            </a:lnRef>
+            <a:fillRef idx="0">
+              <a:schemeClr val="accent1"/>
+            </a:fillRef>
+            <a:effectRef idx="0">
+              <a:schemeClr val="accent1"/>
+            </a:effectRef>
+            <a:fontRef idx="minor">
+              <a:schemeClr val="tx1"/>
+            </a:fontRef>
+          </p:style>
+        </p:cxnSp>
+        <p:sp>
+          <p:nvSpPr>
+            <p:cNvPr id="45" name="TextBox 44"/>
+            <p:cNvSpPr txBox="1"/>
+            <p:nvPr/>
+          </p:nvSpPr>
+          <p:spPr>
+            <a:xfrm>
+              <a:off x="6288767" y="558224"/>
+              <a:ext cx="4034520" cy="584775"/>
+            </a:xfrm>
+            <a:prstGeom prst="rect">
+              <a:avLst/>
+            </a:prstGeom>
+            <a:noFill/>
+          </p:spPr>
+          <p:txBody>
+            <a:bodyPr wrap="square" rtlCol="0">
+              <a:spAutoFit/>
+            </a:bodyPr>
+            <a:lstStyle/>
+            <a:p>
+              <a:r>
+                <a:rPr lang="en-US" sz="3200" smtClean="0"/>
+                <a:t>New observations</a:t>
+              </a:r>
+              <a:endParaRPr lang="en-US" sz="3200"/>
+            </a:p>
+          </p:txBody>
+        </p:sp>
+        <p:sp>
+          <p:nvSpPr>
+            <p:cNvPr id="46" name="TextBox 45"/>
+            <p:cNvSpPr txBox="1"/>
+            <p:nvPr/>
+          </p:nvSpPr>
+          <p:spPr>
+            <a:xfrm>
+              <a:off x="5776686" y="4023422"/>
+              <a:ext cx="4387850" cy="584775"/>
+            </a:xfrm>
+            <a:prstGeom prst="rect">
+              <a:avLst/>
+            </a:prstGeom>
+            <a:noFill/>
+          </p:spPr>
+          <p:txBody>
+            <a:bodyPr wrap="square" rtlCol="0">
+              <a:spAutoFit/>
+            </a:bodyPr>
+            <a:lstStyle/>
+            <a:p>
+              <a:r>
+                <a:rPr lang="en-US" sz="3200" smtClean="0"/>
+                <a:t>Proposed experiments</a:t>
+              </a:r>
+              <a:endParaRPr lang="en-US" sz="3200"/>
+            </a:p>
+          </p:txBody>
+        </p:sp>
+      </p:grpSp>
+    </p:spTree>
+    <p:extLst>
+      <p:ext uri="{BB962C8B-B14F-4D97-AF65-F5344CB8AC3E}">
+        <p14:creationId xmlns:p14="http://schemas.microsoft.com/office/powerpoint/2010/main" val="279457501"/>
+      </p:ext>
+    </p:extLst>
+  </p:cSld>
+  <p:clrMapOvr>
+    <a:masterClrMapping/>
+  </p:clrMapOvr>
+</p:sld>
+</file>
+
+<file path=ppt/slides/slide4.xml><?xml version="1.0" encoding="utf-8"?>
+<p:sld xmlns:a="http://schemas.openxmlformats.org/drawingml/2006/main" xmlns:r="http://schemas.openxmlformats.org/officeDocument/2006/relationships" xmlns:p="http://schemas.openxmlformats.org/presentationml/2006/main">
+  <p:cSld>
+    <p:spTree>
+      <p:nvGrpSpPr>
+        <p:cNvPr id="1" name=""/>
+        <p:cNvGrpSpPr/>
+        <p:nvPr/>
+      </p:nvGrpSpPr>
+      <p:grpSpPr>
+        <a:xfrm>
+          <a:off x="0" y="0"/>
+          <a:ext cx="0" cy="0"/>
+          <a:chOff x="0" y="0"/>
+          <a:chExt cx="0" cy="0"/>
+        </a:xfrm>
+      </p:grpSpPr>
+      <p:grpSp>
+        <p:nvGrpSpPr>
+          <p:cNvPr id="47" name="Group 46"/>
+          <p:cNvGrpSpPr/>
+          <p:nvPr/>
+        </p:nvGrpSpPr>
+        <p:grpSpPr>
+          <a:xfrm>
+            <a:off x="1387928" y="558224"/>
+            <a:ext cx="10346872" cy="4049973"/>
+            <a:chOff x="1387928" y="558224"/>
+            <a:chExt cx="10346872" cy="4049973"/>
+          </a:xfrm>
+        </p:grpSpPr>
+        <p:sp>
+          <p:nvSpPr>
+            <p:cNvPr id="4" name="Oval 3"/>
+            <p:cNvSpPr/>
+            <p:nvPr/>
+          </p:nvSpPr>
+          <p:spPr>
+            <a:xfrm>
+              <a:off x="1387928" y="1638299"/>
+              <a:ext cx="1761672" cy="1724725"/>
+            </a:xfrm>
+            <a:prstGeom prst="ellipse">
+              <a:avLst/>
+            </a:prstGeom>
+          </p:spPr>
+          <p:style>
+            <a:lnRef idx="1">
+              <a:schemeClr val="accent3"/>
+            </a:lnRef>
+            <a:fillRef idx="2">
+              <a:schemeClr val="accent3"/>
+            </a:fillRef>
+            <a:effectRef idx="1">
+              <a:schemeClr val="accent3"/>
+            </a:effectRef>
+            <a:fontRef idx="minor">
+              <a:schemeClr val="dk1"/>
+            </a:fontRef>
+          </p:style>
+          <p:txBody>
+            <a:bodyPr rtlCol="0" anchor="ctr"/>
+            <a:lstStyle/>
+            <a:p>
+              <a:pPr algn="ctr"/>
+              <a:r>
+                <a:rPr lang="en-US" sz="3200" dirty="0" smtClean="0"/>
+                <a:t>Initial Inputs</a:t>
+              </a:r>
+              <a:endParaRPr lang="en-US" sz="3200" dirty="0"/>
+            </a:p>
+          </p:txBody>
+        </p:sp>
+        <p:sp>
+          <p:nvSpPr>
+            <p:cNvPr id="5" name="Oval 4"/>
+            <p:cNvSpPr/>
+            <p:nvPr/>
+          </p:nvSpPr>
+          <p:spPr>
+            <a:xfrm>
+              <a:off x="3975100" y="1308100"/>
+              <a:ext cx="3285673" cy="2385125"/>
+            </a:xfrm>
+            <a:prstGeom prst="ellipse">
+              <a:avLst/>
+            </a:prstGeom>
+            <a:solidFill>
+              <a:schemeClr val="accent6">
+                <a:lumMod val="60000"/>
+                <a:lumOff val="40000"/>
+              </a:schemeClr>
+            </a:solidFill>
+          </p:spPr>
+          <p:style>
+            <a:lnRef idx="1">
+              <a:schemeClr val="accent3"/>
+            </a:lnRef>
+            <a:fillRef idx="2">
+              <a:schemeClr val="accent3"/>
+            </a:fillRef>
+            <a:effectRef idx="1">
+              <a:schemeClr val="accent3"/>
+            </a:effectRef>
+            <a:fontRef idx="minor">
+              <a:schemeClr val="dk1"/>
+            </a:fontRef>
+          </p:style>
+          <p:txBody>
+            <a:bodyPr rtlCol="0" anchor="ctr"/>
+            <a:lstStyle/>
+            <a:p>
+              <a:pPr algn="ctr"/>
+              <a:r>
+                <a:rPr lang="en-US" sz="3200" dirty="0" smtClean="0"/>
+                <a:t>Optimization Process</a:t>
+              </a:r>
+              <a:endParaRPr lang="en-US" sz="3200" dirty="0"/>
+            </a:p>
+          </p:txBody>
+        </p:sp>
+        <p:sp>
+          <p:nvSpPr>
+            <p:cNvPr id="6" name="Oval 5"/>
+            <p:cNvSpPr/>
+            <p:nvPr/>
+          </p:nvSpPr>
+          <p:spPr>
+            <a:xfrm>
+              <a:off x="8911773" y="1638299"/>
+              <a:ext cx="2823027" cy="2054923"/>
+            </a:xfrm>
+            <a:prstGeom prst="ellipse">
+              <a:avLst/>
+            </a:prstGeom>
+          </p:spPr>
+          <p:style>
+            <a:lnRef idx="1">
+              <a:schemeClr val="accent3"/>
+            </a:lnRef>
+            <a:fillRef idx="2">
+              <a:schemeClr val="accent3"/>
+            </a:fillRef>
+            <a:effectRef idx="1">
+              <a:schemeClr val="accent3"/>
+            </a:effectRef>
+            <a:fontRef idx="minor">
+              <a:schemeClr val="dk1"/>
+            </a:fontRef>
+          </p:style>
+          <p:txBody>
+            <a:bodyPr rtlCol="0" anchor="ctr"/>
+            <a:lstStyle/>
+            <a:p>
+              <a:pPr algn="ctr"/>
+              <a:r>
+                <a:rPr lang="en-US" sz="3200" dirty="0" smtClean="0"/>
+                <a:t>Simulation</a:t>
+              </a:r>
+              <a:endParaRPr lang="en-US" sz="3200" dirty="0"/>
+            </a:p>
+          </p:txBody>
+        </p:sp>
+        <p:cxnSp>
+          <p:nvCxnSpPr>
+            <p:cNvPr id="7" name="Straight Arrow Connector 6"/>
+            <p:cNvCxnSpPr>
+              <a:stCxn id="4" idx="6"/>
+              <a:endCxn id="5" idx="2"/>
+            </p:cNvCxnSpPr>
+            <p:nvPr/>
+          </p:nvCxnSpPr>
+          <p:spPr>
+            <a:xfrm>
+              <a:off x="3149600" y="2500662"/>
+              <a:ext cx="825500" cy="1"/>
+            </a:xfrm>
+            <a:prstGeom prst="straightConnector1">
+              <a:avLst/>
+            </a:prstGeom>
+            <a:ln w="38100">
+              <a:solidFill>
+                <a:schemeClr val="tx1"/>
+              </a:solidFill>
+              <a:tailEnd type="triangle"/>
+            </a:ln>
+          </p:spPr>
+          <p:style>
+            <a:lnRef idx="2">
+              <a:schemeClr val="accent1"/>
+            </a:lnRef>
+            <a:fillRef idx="0">
+              <a:schemeClr val="accent1"/>
+            </a:fillRef>
+            <a:effectRef idx="1">
+              <a:schemeClr val="accent1"/>
+            </a:effectRef>
+            <a:fontRef idx="minor">
+              <a:schemeClr val="tx1"/>
+            </a:fontRef>
+          </p:style>
+        </p:cxnSp>
+        <p:cxnSp>
+          <p:nvCxnSpPr>
+            <p:cNvPr id="38" name="Elbow Connector 37"/>
+            <p:cNvCxnSpPr>
+              <a:stCxn id="6" idx="4"/>
+              <a:endCxn id="5" idx="4"/>
+            </p:cNvCxnSpPr>
+            <p:nvPr/>
+          </p:nvCxnSpPr>
+          <p:spPr>
+            <a:xfrm rot="5400000">
+              <a:off x="7970611" y="1340548"/>
+              <a:ext cx="3" cy="4705350"/>
+            </a:xfrm>
+            <a:prstGeom prst="bentConnector3">
+              <a:avLst>
+                <a:gd name="adj1" fmla="val 7620100000"/>
+              </a:avLst>
+            </a:prstGeom>
+            <a:ln w="38100">
+              <a:solidFill>
+                <a:schemeClr val="tx1"/>
+              </a:solidFill>
+              <a:tailEnd type="triangle"/>
+            </a:ln>
+          </p:spPr>
+          <p:style>
+            <a:lnRef idx="1">
+              <a:schemeClr val="accent1"/>
+            </a:lnRef>
+            <a:fillRef idx="0">
+              <a:schemeClr val="accent1"/>
+            </a:fillRef>
+            <a:effectRef idx="0">
+              <a:schemeClr val="accent1"/>
+            </a:effectRef>
+            <a:fontRef idx="minor">
+              <a:schemeClr val="tx1"/>
+            </a:fontRef>
+          </p:style>
+        </p:cxnSp>
+        <p:cxnSp>
+          <p:nvCxnSpPr>
+            <p:cNvPr id="44" name="Elbow Connector 43"/>
+            <p:cNvCxnSpPr>
+              <a:stCxn id="5" idx="0"/>
+              <a:endCxn id="6" idx="0"/>
+            </p:cNvCxnSpPr>
+            <p:nvPr/>
+          </p:nvCxnSpPr>
+          <p:spPr>
+            <a:xfrm rot="16200000" flipH="1">
+              <a:off x="7805512" y="-879476"/>
+              <a:ext cx="330199" cy="4705350"/>
+            </a:xfrm>
+            <a:prstGeom prst="bentConnector3">
+              <a:avLst>
+                <a:gd name="adj1" fmla="val -69231"/>
+              </a:avLst>
+            </a:prstGeom>
+            <a:ln w="38100">
+              <a:solidFill>
+                <a:schemeClr val="tx1"/>
+              </a:solidFill>
+              <a:tailEnd type="triangle"/>
+            </a:ln>
+          </p:spPr>
+          <p:style>
+            <a:lnRef idx="1">
+              <a:schemeClr val="accent1"/>
+            </a:lnRef>
+            <a:fillRef idx="0">
+              <a:schemeClr val="accent1"/>
+            </a:fillRef>
+            <a:effectRef idx="0">
+              <a:schemeClr val="accent1"/>
+            </a:effectRef>
+            <a:fontRef idx="minor">
+              <a:schemeClr val="tx1"/>
+            </a:fontRef>
+          </p:style>
+        </p:cxnSp>
+        <p:sp>
+          <p:nvSpPr>
+            <p:cNvPr id="45" name="TextBox 44"/>
+            <p:cNvSpPr txBox="1"/>
+            <p:nvPr/>
+          </p:nvSpPr>
+          <p:spPr>
+            <a:xfrm>
+              <a:off x="6288767" y="558224"/>
+              <a:ext cx="4034520" cy="584775"/>
+            </a:xfrm>
+            <a:prstGeom prst="rect">
+              <a:avLst/>
+            </a:prstGeom>
+            <a:noFill/>
+          </p:spPr>
+          <p:txBody>
+            <a:bodyPr wrap="square" rtlCol="0">
+              <a:spAutoFit/>
+            </a:bodyPr>
+            <a:lstStyle/>
+            <a:p>
+              <a:r>
+                <a:rPr lang="en-US" sz="3200" smtClean="0"/>
+                <a:t>New observations</a:t>
+              </a:r>
+              <a:endParaRPr lang="en-US" sz="3200"/>
+            </a:p>
+          </p:txBody>
+        </p:sp>
+        <p:sp>
+          <p:nvSpPr>
+            <p:cNvPr id="46" name="TextBox 45"/>
+            <p:cNvSpPr txBox="1"/>
+            <p:nvPr/>
+          </p:nvSpPr>
+          <p:spPr>
+            <a:xfrm>
+              <a:off x="5776686" y="4023422"/>
+              <a:ext cx="4387850" cy="584775"/>
+            </a:xfrm>
+            <a:prstGeom prst="rect">
+              <a:avLst/>
+            </a:prstGeom>
+            <a:noFill/>
+          </p:spPr>
+          <p:txBody>
+            <a:bodyPr wrap="square" rtlCol="0">
+              <a:spAutoFit/>
+            </a:bodyPr>
+            <a:lstStyle/>
+            <a:p>
+              <a:r>
+                <a:rPr lang="en-US" sz="3200" smtClean="0"/>
+                <a:t>Proposed experiments</a:t>
+              </a:r>
+              <a:endParaRPr lang="en-US" sz="3200"/>
+            </a:p>
+          </p:txBody>
+        </p:sp>
+      </p:grpSp>
+    </p:spTree>
+    <p:extLst>
+      <p:ext uri="{BB962C8B-B14F-4D97-AF65-F5344CB8AC3E}">
+        <p14:creationId xmlns:p14="http://schemas.microsoft.com/office/powerpoint/2010/main" val="1627717876"/>
       </p:ext>
     </p:extLst>
   </p:cSld>

--- a/Tool_Resources/drawings.pptx
+++ b/Tool_Resources/drawings.pptx
@@ -9,6 +9,7 @@
     <p:sldId id="257" r:id="rId3"/>
     <p:sldId id="259" r:id="rId4"/>
     <p:sldId id="258" r:id="rId5"/>
+    <p:sldId id="260" r:id="rId6"/>
   </p:sldIdLst>
   <p:sldSz cx="12192000" cy="6858000"/>
   <p:notesSz cx="6858000" cy="9144000"/>
@@ -246,7 +247,7 @@
           <a:p>
             <a:fld id="{29CD8D3B-7919-664C-88D9-0BD9DCF8016B}" type="datetimeFigureOut">
               <a:rPr lang="en-US" smtClean="0"/>
-              <a:t>6/21/16</a:t>
+              <a:t>6/26/16</a:t>
             </a:fld>
             <a:endParaRPr lang="en-US"/>
           </a:p>
@@ -416,7 +417,7 @@
           <a:p>
             <a:fld id="{29CD8D3B-7919-664C-88D9-0BD9DCF8016B}" type="datetimeFigureOut">
               <a:rPr lang="en-US" smtClean="0"/>
-              <a:t>6/21/16</a:t>
+              <a:t>6/26/16</a:t>
             </a:fld>
             <a:endParaRPr lang="en-US"/>
           </a:p>
@@ -596,7 +597,7 @@
           <a:p>
             <a:fld id="{29CD8D3B-7919-664C-88D9-0BD9DCF8016B}" type="datetimeFigureOut">
               <a:rPr lang="en-US" smtClean="0"/>
-              <a:t>6/21/16</a:t>
+              <a:t>6/26/16</a:t>
             </a:fld>
             <a:endParaRPr lang="en-US"/>
           </a:p>
@@ -766,7 +767,7 @@
           <a:p>
             <a:fld id="{29CD8D3B-7919-664C-88D9-0BD9DCF8016B}" type="datetimeFigureOut">
               <a:rPr lang="en-US" smtClean="0"/>
-              <a:t>6/21/16</a:t>
+              <a:t>6/26/16</a:t>
             </a:fld>
             <a:endParaRPr lang="en-US"/>
           </a:p>
@@ -1012,7 +1013,7 @@
           <a:p>
             <a:fld id="{29CD8D3B-7919-664C-88D9-0BD9DCF8016B}" type="datetimeFigureOut">
               <a:rPr lang="en-US" smtClean="0"/>
-              <a:t>6/21/16</a:t>
+              <a:t>6/26/16</a:t>
             </a:fld>
             <a:endParaRPr lang="en-US"/>
           </a:p>
@@ -1244,7 +1245,7 @@
           <a:p>
             <a:fld id="{29CD8D3B-7919-664C-88D9-0BD9DCF8016B}" type="datetimeFigureOut">
               <a:rPr lang="en-US" smtClean="0"/>
-              <a:t>6/21/16</a:t>
+              <a:t>6/26/16</a:t>
             </a:fld>
             <a:endParaRPr lang="en-US"/>
           </a:p>
@@ -1611,7 +1612,7 @@
           <a:p>
             <a:fld id="{29CD8D3B-7919-664C-88D9-0BD9DCF8016B}" type="datetimeFigureOut">
               <a:rPr lang="en-US" smtClean="0"/>
-              <a:t>6/21/16</a:t>
+              <a:t>6/26/16</a:t>
             </a:fld>
             <a:endParaRPr lang="en-US"/>
           </a:p>
@@ -1729,7 +1730,7 @@
           <a:p>
             <a:fld id="{29CD8D3B-7919-664C-88D9-0BD9DCF8016B}" type="datetimeFigureOut">
               <a:rPr lang="en-US" smtClean="0"/>
-              <a:t>6/21/16</a:t>
+              <a:t>6/26/16</a:t>
             </a:fld>
             <a:endParaRPr lang="en-US"/>
           </a:p>
@@ -1824,7 +1825,7 @@
           <a:p>
             <a:fld id="{29CD8D3B-7919-664C-88D9-0BD9DCF8016B}" type="datetimeFigureOut">
               <a:rPr lang="en-US" smtClean="0"/>
-              <a:t>6/21/16</a:t>
+              <a:t>6/26/16</a:t>
             </a:fld>
             <a:endParaRPr lang="en-US"/>
           </a:p>
@@ -2101,7 +2102,7 @@
           <a:p>
             <a:fld id="{29CD8D3B-7919-664C-88D9-0BD9DCF8016B}" type="datetimeFigureOut">
               <a:rPr lang="en-US" smtClean="0"/>
-              <a:t>6/21/16</a:t>
+              <a:t>6/26/16</a:t>
             </a:fld>
             <a:endParaRPr lang="en-US"/>
           </a:p>
@@ -2354,7 +2355,7 @@
           <a:p>
             <a:fld id="{29CD8D3B-7919-664C-88D9-0BD9DCF8016B}" type="datetimeFigureOut">
               <a:rPr lang="en-US" smtClean="0"/>
-              <a:t>6/21/16</a:t>
+              <a:t>6/26/16</a:t>
             </a:fld>
             <a:endParaRPr lang="en-US"/>
           </a:p>
@@ -2567,7 +2568,7 @@
           <a:p>
             <a:fld id="{29CD8D3B-7919-664C-88D9-0BD9DCF8016B}" type="datetimeFigureOut">
               <a:rPr lang="en-US" smtClean="0"/>
-              <a:t>6/21/16</a:t>
+              <a:t>6/26/16</a:t>
             </a:fld>
             <a:endParaRPr lang="en-US"/>
           </a:p>
@@ -5365,6 +5366,74 @@
 </p:sld>
 </file>
 
+<file path=ppt/slides/slide5.xml><?xml version="1.0" encoding="utf-8"?>
+<p:sld xmlns:a="http://schemas.openxmlformats.org/drawingml/2006/main" xmlns:r="http://schemas.openxmlformats.org/officeDocument/2006/relationships" xmlns:p="http://schemas.openxmlformats.org/presentationml/2006/main">
+  <p:cSld>
+    <p:spTree>
+      <p:nvGrpSpPr>
+        <p:cNvPr id="1" name=""/>
+        <p:cNvGrpSpPr/>
+        <p:nvPr/>
+      </p:nvGrpSpPr>
+      <p:grpSpPr>
+        <a:xfrm>
+          <a:off x="0" y="0"/>
+          <a:ext cx="0" cy="0"/>
+          <a:chOff x="0" y="0"/>
+          <a:chExt cx="0" cy="0"/>
+        </a:xfrm>
+      </p:grpSpPr>
+      <p:sp>
+        <p:nvSpPr>
+          <p:cNvPr id="4" name="TextBox 3"/>
+          <p:cNvSpPr txBox="1"/>
+          <p:nvPr/>
+        </p:nvSpPr>
+        <p:spPr>
+          <a:xfrm>
+            <a:off x="3771900" y="1016000"/>
+            <a:ext cx="4064000" cy="2554545"/>
+          </a:xfrm>
+          <a:prstGeom prst="rect">
+            <a:avLst/>
+          </a:prstGeom>
+          <a:noFill/>
+        </p:spPr>
+        <p:txBody>
+          <a:bodyPr wrap="square" rtlCol="0">
+            <a:spAutoFit/>
+          </a:bodyPr>
+          <a:lstStyle/>
+          <a:p>
+            <a:pPr algn="ctr"/>
+            <a:r>
+              <a:rPr lang="en-US" sz="3200" b="1" dirty="0" smtClean="0"/>
+              <a:t>SMOOT</a:t>
+            </a:r>
+          </a:p>
+          <a:p>
+            <a:pPr algn="ctr"/>
+            <a:r>
+              <a:rPr lang="en-US" sz="3200" dirty="0" smtClean="0"/>
+              <a:t>No Pareto front generated for this iteration, run the proposed experiment</a:t>
+            </a:r>
+            <a:endParaRPr lang="en-US" sz="3200" dirty="0"/>
+          </a:p>
+        </p:txBody>
+      </p:sp>
+    </p:spTree>
+    <p:extLst>
+      <p:ext uri="{BB962C8B-B14F-4D97-AF65-F5344CB8AC3E}">
+        <p14:creationId xmlns:p14="http://schemas.microsoft.com/office/powerpoint/2010/main" val="7901241"/>
+      </p:ext>
+    </p:extLst>
+  </p:cSld>
+  <p:clrMapOvr>
+    <a:masterClrMapping/>
+  </p:clrMapOvr>
+</p:sld>
+</file>
+
 <file path=ppt/theme/theme1.xml><?xml version="1.0" encoding="utf-8"?>
 <a:theme xmlns:a="http://schemas.openxmlformats.org/drawingml/2006/main" name="Office Theme">
   <a:themeElements>

--- a/Tool_Resources/drawings.pptx
+++ b/Tool_Resources/drawings.pptx
@@ -6,10 +6,11 @@
   </p:sldMasterIdLst>
   <p:sldIdLst>
     <p:sldId id="256" r:id="rId2"/>
-    <p:sldId id="257" r:id="rId3"/>
-    <p:sldId id="259" r:id="rId4"/>
-    <p:sldId id="258" r:id="rId5"/>
-    <p:sldId id="260" r:id="rId6"/>
+    <p:sldId id="261" r:id="rId3"/>
+    <p:sldId id="257" r:id="rId4"/>
+    <p:sldId id="259" r:id="rId5"/>
+    <p:sldId id="258" r:id="rId6"/>
+    <p:sldId id="260" r:id="rId7"/>
   </p:sldIdLst>
   <p:sldSz cx="12192000" cy="6858000"/>
   <p:notesSz cx="6858000" cy="9144000"/>
@@ -247,7 +248,7 @@
           <a:p>
             <a:fld id="{29CD8D3B-7919-664C-88D9-0BD9DCF8016B}" type="datetimeFigureOut">
               <a:rPr lang="en-US" smtClean="0"/>
-              <a:t>6/26/16</a:t>
+              <a:t>6/29/16</a:t>
             </a:fld>
             <a:endParaRPr lang="en-US"/>
           </a:p>
@@ -417,7 +418,7 @@
           <a:p>
             <a:fld id="{29CD8D3B-7919-664C-88D9-0BD9DCF8016B}" type="datetimeFigureOut">
               <a:rPr lang="en-US" smtClean="0"/>
-              <a:t>6/26/16</a:t>
+              <a:t>6/29/16</a:t>
             </a:fld>
             <a:endParaRPr lang="en-US"/>
           </a:p>
@@ -597,7 +598,7 @@
           <a:p>
             <a:fld id="{29CD8D3B-7919-664C-88D9-0BD9DCF8016B}" type="datetimeFigureOut">
               <a:rPr lang="en-US" smtClean="0"/>
-              <a:t>6/26/16</a:t>
+              <a:t>6/29/16</a:t>
             </a:fld>
             <a:endParaRPr lang="en-US"/>
           </a:p>
@@ -767,7 +768,7 @@
           <a:p>
             <a:fld id="{29CD8D3B-7919-664C-88D9-0BD9DCF8016B}" type="datetimeFigureOut">
               <a:rPr lang="en-US" smtClean="0"/>
-              <a:t>6/26/16</a:t>
+              <a:t>6/29/16</a:t>
             </a:fld>
             <a:endParaRPr lang="en-US"/>
           </a:p>
@@ -1013,7 +1014,7 @@
           <a:p>
             <a:fld id="{29CD8D3B-7919-664C-88D9-0BD9DCF8016B}" type="datetimeFigureOut">
               <a:rPr lang="en-US" smtClean="0"/>
-              <a:t>6/26/16</a:t>
+              <a:t>6/29/16</a:t>
             </a:fld>
             <a:endParaRPr lang="en-US"/>
           </a:p>
@@ -1245,7 +1246,7 @@
           <a:p>
             <a:fld id="{29CD8D3B-7919-664C-88D9-0BD9DCF8016B}" type="datetimeFigureOut">
               <a:rPr lang="en-US" smtClean="0"/>
-              <a:t>6/26/16</a:t>
+              <a:t>6/29/16</a:t>
             </a:fld>
             <a:endParaRPr lang="en-US"/>
           </a:p>
@@ -1612,7 +1613,7 @@
           <a:p>
             <a:fld id="{29CD8D3B-7919-664C-88D9-0BD9DCF8016B}" type="datetimeFigureOut">
               <a:rPr lang="en-US" smtClean="0"/>
-              <a:t>6/26/16</a:t>
+              <a:t>6/29/16</a:t>
             </a:fld>
             <a:endParaRPr lang="en-US"/>
           </a:p>
@@ -1730,7 +1731,7 @@
           <a:p>
             <a:fld id="{29CD8D3B-7919-664C-88D9-0BD9DCF8016B}" type="datetimeFigureOut">
               <a:rPr lang="en-US" smtClean="0"/>
-              <a:t>6/26/16</a:t>
+              <a:t>6/29/16</a:t>
             </a:fld>
             <a:endParaRPr lang="en-US"/>
           </a:p>
@@ -1825,7 +1826,7 @@
           <a:p>
             <a:fld id="{29CD8D3B-7919-664C-88D9-0BD9DCF8016B}" type="datetimeFigureOut">
               <a:rPr lang="en-US" smtClean="0"/>
-              <a:t>6/26/16</a:t>
+              <a:t>6/29/16</a:t>
             </a:fld>
             <a:endParaRPr lang="en-US"/>
           </a:p>
@@ -2102,7 +2103,7 @@
           <a:p>
             <a:fld id="{29CD8D3B-7919-664C-88D9-0BD9DCF8016B}" type="datetimeFigureOut">
               <a:rPr lang="en-US" smtClean="0"/>
-              <a:t>6/26/16</a:t>
+              <a:t>6/29/16</a:t>
             </a:fld>
             <a:endParaRPr lang="en-US"/>
           </a:p>
@@ -2355,7 +2356,7 @@
           <a:p>
             <a:fld id="{29CD8D3B-7919-664C-88D9-0BD9DCF8016B}" type="datetimeFigureOut">
               <a:rPr lang="en-US" smtClean="0"/>
-              <a:t>6/26/16</a:t>
+              <a:t>6/29/16</a:t>
             </a:fld>
             <a:endParaRPr lang="en-US"/>
           </a:p>
@@ -2568,7 +2569,7 @@
           <a:p>
             <a:fld id="{29CD8D3B-7919-664C-88D9-0BD9DCF8016B}" type="datetimeFigureOut">
               <a:rPr lang="en-US" smtClean="0"/>
-              <a:t>6/26/16</a:t>
+              <a:t>6/29/16</a:t>
             </a:fld>
             <a:endParaRPr lang="en-US"/>
           </a:p>
@@ -4317,6 +4318,417 @@
       </p:grpSpPr>
       <p:grpSp>
         <p:nvGrpSpPr>
+          <p:cNvPr id="32" name="Group 31"/>
+          <p:cNvGrpSpPr/>
+          <p:nvPr/>
+        </p:nvGrpSpPr>
+        <p:grpSpPr>
+          <a:xfrm>
+            <a:off x="2291938" y="1520042"/>
+            <a:ext cx="6623462" cy="2149434"/>
+            <a:chOff x="2291938" y="1520042"/>
+            <a:chExt cx="6623462" cy="2149434"/>
+          </a:xfrm>
+        </p:grpSpPr>
+        <p:sp>
+          <p:nvSpPr>
+            <p:cNvPr id="28" name="TextBox 27"/>
+            <p:cNvSpPr txBox="1"/>
+            <p:nvPr/>
+          </p:nvSpPr>
+          <p:spPr>
+            <a:xfrm>
+              <a:off x="7724631" y="2406147"/>
+              <a:ext cx="1190769" cy="646331"/>
+            </a:xfrm>
+            <a:prstGeom prst="rect">
+              <a:avLst/>
+            </a:prstGeom>
+            <a:noFill/>
+          </p:spPr>
+          <p:txBody>
+            <a:bodyPr wrap="square" rtlCol="0">
+              <a:spAutoFit/>
+            </a:bodyPr>
+            <a:lstStyle/>
+            <a:p>
+              <a:r>
+                <a:rPr lang="en-US" dirty="0" smtClean="0">
+                  <a:latin typeface="Times New Roman" charset="0"/>
+                  <a:ea typeface="Times New Roman" charset="0"/>
+                  <a:cs typeface="Times New Roman" charset="0"/>
+                </a:rPr>
+                <a:t>Observed Outputs</a:t>
+              </a:r>
+              <a:endParaRPr lang="en-US" dirty="0">
+                <a:latin typeface="Times New Roman" charset="0"/>
+                <a:ea typeface="Times New Roman" charset="0"/>
+                <a:cs typeface="Times New Roman" charset="0"/>
+              </a:endParaRPr>
+            </a:p>
+          </p:txBody>
+        </p:sp>
+        <p:sp>
+          <p:nvSpPr>
+            <p:cNvPr id="4" name="Cube 3"/>
+            <p:cNvSpPr/>
+            <p:nvPr/>
+          </p:nvSpPr>
+          <p:spPr>
+            <a:xfrm>
+              <a:off x="4025734" y="1520042"/>
+              <a:ext cx="3396343" cy="2149434"/>
+            </a:xfrm>
+            <a:prstGeom prst="cube">
+              <a:avLst/>
+            </a:prstGeom>
+          </p:spPr>
+          <p:style>
+            <a:lnRef idx="1">
+              <a:schemeClr val="accent3"/>
+            </a:lnRef>
+            <a:fillRef idx="2">
+              <a:schemeClr val="accent3"/>
+            </a:fillRef>
+            <a:effectRef idx="1">
+              <a:schemeClr val="accent3"/>
+            </a:effectRef>
+            <a:fontRef idx="minor">
+              <a:schemeClr val="dk1"/>
+            </a:fontRef>
+          </p:style>
+          <p:txBody>
+            <a:bodyPr rtlCol="0" anchor="ctr"/>
+            <a:lstStyle/>
+            <a:p>
+              <a:pPr algn="ctr"/>
+              <a:endParaRPr lang="en-US" sz="4000" dirty="0"/>
+            </a:p>
+          </p:txBody>
+        </p:sp>
+        <p:cxnSp>
+          <p:nvCxnSpPr>
+            <p:cNvPr id="6" name="Straight Arrow Connector 5"/>
+            <p:cNvCxnSpPr/>
+            <p:nvPr/>
+          </p:nvCxnSpPr>
+          <p:spPr>
+            <a:xfrm flipV="1">
+              <a:off x="2291938" y="2137558"/>
+              <a:ext cx="1733796" cy="11876"/>
+            </a:xfrm>
+            <a:prstGeom prst="straightConnector1">
+              <a:avLst/>
+            </a:prstGeom>
+            <a:ln w="38100">
+              <a:solidFill>
+                <a:schemeClr val="tx1"/>
+              </a:solidFill>
+              <a:tailEnd type="triangle"/>
+            </a:ln>
+          </p:spPr>
+          <p:style>
+            <a:lnRef idx="2">
+              <a:schemeClr val="accent1"/>
+            </a:lnRef>
+            <a:fillRef idx="0">
+              <a:schemeClr val="accent1"/>
+            </a:fillRef>
+            <a:effectRef idx="1">
+              <a:schemeClr val="accent1"/>
+            </a:effectRef>
+            <a:fontRef idx="minor">
+              <a:schemeClr val="tx1"/>
+            </a:fontRef>
+          </p:style>
+        </p:cxnSp>
+        <p:cxnSp>
+          <p:nvCxnSpPr>
+            <p:cNvPr id="7" name="Straight Arrow Connector 6"/>
+            <p:cNvCxnSpPr/>
+            <p:nvPr/>
+          </p:nvCxnSpPr>
+          <p:spPr>
+            <a:xfrm flipV="1">
+              <a:off x="2291938" y="3332946"/>
+              <a:ext cx="1733796" cy="11876"/>
+            </a:xfrm>
+            <a:prstGeom prst="straightConnector1">
+              <a:avLst/>
+            </a:prstGeom>
+            <a:ln w="38100">
+              <a:solidFill>
+                <a:schemeClr val="tx1"/>
+              </a:solidFill>
+              <a:tailEnd type="triangle"/>
+            </a:ln>
+          </p:spPr>
+          <p:style>
+            <a:lnRef idx="2">
+              <a:schemeClr val="accent1"/>
+            </a:lnRef>
+            <a:fillRef idx="0">
+              <a:schemeClr val="accent1"/>
+            </a:fillRef>
+            <a:effectRef idx="1">
+              <a:schemeClr val="accent1"/>
+            </a:effectRef>
+            <a:fontRef idx="minor">
+              <a:schemeClr val="tx1"/>
+            </a:fontRef>
+          </p:style>
+        </p:cxnSp>
+        <p:cxnSp>
+          <p:nvCxnSpPr>
+            <p:cNvPr id="8" name="Straight Arrow Connector 7"/>
+            <p:cNvCxnSpPr/>
+            <p:nvPr/>
+          </p:nvCxnSpPr>
+          <p:spPr>
+            <a:xfrm flipV="1">
+              <a:off x="7030625" y="2125682"/>
+              <a:ext cx="1733796" cy="11876"/>
+            </a:xfrm>
+            <a:prstGeom prst="straightConnector1">
+              <a:avLst/>
+            </a:prstGeom>
+            <a:ln w="38100">
+              <a:solidFill>
+                <a:schemeClr val="tx1"/>
+              </a:solidFill>
+              <a:tailEnd type="triangle"/>
+            </a:ln>
+          </p:spPr>
+          <p:style>
+            <a:lnRef idx="2">
+              <a:schemeClr val="accent1"/>
+            </a:lnRef>
+            <a:fillRef idx="0">
+              <a:schemeClr val="accent1"/>
+            </a:fillRef>
+            <a:effectRef idx="1">
+              <a:schemeClr val="accent1"/>
+            </a:effectRef>
+            <a:fontRef idx="minor">
+              <a:schemeClr val="tx1"/>
+            </a:fontRef>
+          </p:style>
+        </p:cxnSp>
+        <p:cxnSp>
+          <p:nvCxnSpPr>
+            <p:cNvPr id="9" name="Straight Arrow Connector 8"/>
+            <p:cNvCxnSpPr/>
+            <p:nvPr/>
+          </p:nvCxnSpPr>
+          <p:spPr>
+            <a:xfrm flipV="1">
+              <a:off x="7030625" y="3321070"/>
+              <a:ext cx="1733796" cy="11876"/>
+            </a:xfrm>
+            <a:prstGeom prst="straightConnector1">
+              <a:avLst/>
+            </a:prstGeom>
+            <a:ln w="38100">
+              <a:solidFill>
+                <a:schemeClr val="tx1"/>
+              </a:solidFill>
+              <a:tailEnd type="triangle"/>
+            </a:ln>
+          </p:spPr>
+          <p:style>
+            <a:lnRef idx="2">
+              <a:schemeClr val="accent1"/>
+            </a:lnRef>
+            <a:fillRef idx="0">
+              <a:schemeClr val="accent1"/>
+            </a:fillRef>
+            <a:effectRef idx="1">
+              <a:schemeClr val="accent1"/>
+            </a:effectRef>
+            <a:fontRef idx="minor">
+              <a:schemeClr val="tx1"/>
+            </a:fontRef>
+          </p:style>
+        </p:cxnSp>
+        <p:pic>
+          <p:nvPicPr>
+            <p:cNvPr id="2" name="Picture 1"/>
+            <p:cNvPicPr>
+              <a:picLocks noChangeAspect="1"/>
+            </p:cNvPicPr>
+            <p:nvPr/>
+          </p:nvPicPr>
+          <p:blipFill>
+            <a:blip r:embed="rId2"/>
+            <a:stretch>
+              <a:fillRect/>
+            </a:stretch>
+          </p:blipFill>
+          <p:spPr>
+            <a:xfrm>
+              <a:off x="5279322" y="2284729"/>
+              <a:ext cx="889165" cy="889165"/>
+            </a:xfrm>
+            <a:prstGeom prst="rect">
+              <a:avLst/>
+            </a:prstGeom>
+          </p:spPr>
+        </p:pic>
+        <p:sp>
+          <p:nvSpPr>
+            <p:cNvPr id="3" name="TextBox 2"/>
+            <p:cNvSpPr txBox="1"/>
+            <p:nvPr/>
+          </p:nvSpPr>
+          <p:spPr>
+            <a:xfrm>
+              <a:off x="2406782" y="2173068"/>
+              <a:ext cx="1226386" cy="646331"/>
+            </a:xfrm>
+            <a:prstGeom prst="rect">
+              <a:avLst/>
+            </a:prstGeom>
+            <a:noFill/>
+          </p:spPr>
+          <p:txBody>
+            <a:bodyPr wrap="square" rtlCol="0">
+              <a:spAutoFit/>
+            </a:bodyPr>
+            <a:lstStyle/>
+            <a:p>
+              <a:r>
+                <a:rPr lang="en-US" dirty="0" smtClean="0">
+                  <a:latin typeface="Times New Roman" charset="0"/>
+                  <a:ea typeface="Times New Roman" charset="0"/>
+                  <a:cs typeface="Times New Roman" charset="0"/>
+                </a:rPr>
+                <a:t>Observed Inputs</a:t>
+              </a:r>
+              <a:endParaRPr lang="en-US" dirty="0">
+                <a:latin typeface="Times New Roman" charset="0"/>
+                <a:ea typeface="Times New Roman" charset="0"/>
+                <a:cs typeface="Times New Roman" charset="0"/>
+              </a:endParaRPr>
+            </a:p>
+          </p:txBody>
+        </p:sp>
+        <p:sp>
+          <p:nvSpPr>
+            <p:cNvPr id="26" name="TextBox 25"/>
+            <p:cNvSpPr txBox="1"/>
+            <p:nvPr/>
+          </p:nvSpPr>
+          <p:spPr>
+            <a:xfrm>
+              <a:off x="2565930" y="2915066"/>
+              <a:ext cx="912042" cy="369332"/>
+            </a:xfrm>
+            <a:prstGeom prst="rect">
+              <a:avLst/>
+            </a:prstGeom>
+            <a:noFill/>
+          </p:spPr>
+          <p:txBody>
+            <a:bodyPr wrap="square" rtlCol="0">
+              <a:spAutoFit/>
+            </a:bodyPr>
+            <a:lstStyle/>
+            <a:p>
+              <a:r>
+                <a:rPr lang="en-US" smtClean="0">
+                  <a:latin typeface="Times New Roman" charset="0"/>
+                  <a:ea typeface="Times New Roman" charset="0"/>
+                  <a:cs typeface="Times New Roman" charset="0"/>
+                </a:rPr>
+                <a:t>Bounds</a:t>
+              </a:r>
+              <a:endParaRPr lang="en-US" dirty="0">
+                <a:latin typeface="Times New Roman" charset="0"/>
+                <a:ea typeface="Times New Roman" charset="0"/>
+                <a:cs typeface="Times New Roman" charset="0"/>
+              </a:endParaRPr>
+            </a:p>
+          </p:txBody>
+        </p:sp>
+        <p:sp>
+          <p:nvSpPr>
+            <p:cNvPr id="29" name="TextBox 28"/>
+            <p:cNvSpPr txBox="1"/>
+            <p:nvPr/>
+          </p:nvSpPr>
+          <p:spPr>
+            <a:xfrm>
+              <a:off x="4141198" y="2406145"/>
+              <a:ext cx="1304608" cy="646331"/>
+            </a:xfrm>
+            <a:prstGeom prst="rect">
+              <a:avLst/>
+            </a:prstGeom>
+            <a:noFill/>
+          </p:spPr>
+          <p:txBody>
+            <a:bodyPr wrap="square" rtlCol="0">
+              <a:spAutoFit/>
+            </a:bodyPr>
+            <a:lstStyle/>
+            <a:p>
+              <a:r>
+                <a:rPr lang="en-US" dirty="0" smtClean="0">
+                  <a:latin typeface="Times New Roman" charset="0"/>
+                  <a:ea typeface="Times New Roman" charset="0"/>
+                  <a:cs typeface="Times New Roman" charset="0"/>
+                </a:rPr>
+                <a:t>Number </a:t>
+              </a:r>
+              <a:r>
+                <a:rPr lang="en-US" smtClean="0">
+                  <a:latin typeface="Times New Roman" charset="0"/>
+                  <a:ea typeface="Times New Roman" charset="0"/>
+                  <a:cs typeface="Times New Roman" charset="0"/>
+                </a:rPr>
+                <a:t>of Iterations</a:t>
+              </a:r>
+              <a:endParaRPr lang="en-US" dirty="0">
+                <a:latin typeface="Times New Roman" charset="0"/>
+                <a:ea typeface="Times New Roman" charset="0"/>
+                <a:cs typeface="Times New Roman" charset="0"/>
+              </a:endParaRPr>
+            </a:p>
+          </p:txBody>
+        </p:sp>
+      </p:grpSp>
+    </p:spTree>
+    <p:extLst>
+      <p:ext uri="{BB962C8B-B14F-4D97-AF65-F5344CB8AC3E}">
+        <p14:creationId xmlns:p14="http://schemas.microsoft.com/office/powerpoint/2010/main" val="752732617"/>
+      </p:ext>
+    </p:extLst>
+  </p:cSld>
+  <p:clrMapOvr>
+    <a:masterClrMapping/>
+  </p:clrMapOvr>
+</p:sld>
+</file>
+
+<file path=ppt/slides/slide3.xml><?xml version="1.0" encoding="utf-8"?>
+<p:sld xmlns:a="http://schemas.openxmlformats.org/drawingml/2006/main" xmlns:r="http://schemas.openxmlformats.org/officeDocument/2006/relationships" xmlns:p="http://schemas.openxmlformats.org/presentationml/2006/main">
+  <p:cSld>
+    <p:spTree>
+      <p:nvGrpSpPr>
+        <p:cNvPr id="1" name=""/>
+        <p:cNvGrpSpPr/>
+        <p:nvPr/>
+      </p:nvGrpSpPr>
+      <p:grpSpPr>
+        <a:xfrm>
+          <a:off x="0" y="0"/>
+          <a:ext cx="0" cy="0"/>
+          <a:chOff x="0" y="0"/>
+          <a:chExt cx="0" cy="0"/>
+        </a:xfrm>
+      </p:grpSpPr>
+      <p:grpSp>
+        <p:nvGrpSpPr>
           <p:cNvPr id="47" name="Group 46"/>
           <p:cNvGrpSpPr/>
           <p:nvPr/>
@@ -4650,7 +5062,7 @@
 </p:sld>
 </file>
 
-<file path=ppt/slides/slide3.xml><?xml version="1.0" encoding="utf-8"?>
+<file path=ppt/slides/slide4.xml><?xml version="1.0" encoding="utf-8"?>
 <p:sld xmlns:a="http://schemas.openxmlformats.org/drawingml/2006/main" xmlns:r="http://schemas.openxmlformats.org/officeDocument/2006/relationships" xmlns:p="http://schemas.openxmlformats.org/presentationml/2006/main">
   <p:cSld>
     <p:spTree>
@@ -5008,7 +5420,7 @@
 </p:sld>
 </file>
 
-<file path=ppt/slides/slide4.xml><?xml version="1.0" encoding="utf-8"?>
+<file path=ppt/slides/slide5.xml><?xml version="1.0" encoding="utf-8"?>
 <p:sld xmlns:a="http://schemas.openxmlformats.org/drawingml/2006/main" xmlns:r="http://schemas.openxmlformats.org/officeDocument/2006/relationships" xmlns:p="http://schemas.openxmlformats.org/presentationml/2006/main">
   <p:cSld>
     <p:spTree>
@@ -5366,7 +5778,7 @@
 </p:sld>
 </file>
 
-<file path=ppt/slides/slide5.xml><?xml version="1.0" encoding="utf-8"?>
+<file path=ppt/slides/slide6.xml><?xml version="1.0" encoding="utf-8"?>
 <p:sld xmlns:a="http://schemas.openxmlformats.org/drawingml/2006/main" xmlns:r="http://schemas.openxmlformats.org/officeDocument/2006/relationships" xmlns:p="http://schemas.openxmlformats.org/presentationml/2006/main">
   <p:cSld>
     <p:spTree>

--- a/Tool_Resources/drawings.pptx
+++ b/Tool_Resources/drawings.pptx
@@ -248,7 +248,7 @@
           <a:p>
             <a:fld id="{29CD8D3B-7919-664C-88D9-0BD9DCF8016B}" type="datetimeFigureOut">
               <a:rPr lang="en-US" smtClean="0"/>
-              <a:t>6/29/16</a:t>
+              <a:t>7/1/16</a:t>
             </a:fld>
             <a:endParaRPr lang="en-US"/>
           </a:p>
@@ -418,7 +418,7 @@
           <a:p>
             <a:fld id="{29CD8D3B-7919-664C-88D9-0BD9DCF8016B}" type="datetimeFigureOut">
               <a:rPr lang="en-US" smtClean="0"/>
-              <a:t>6/29/16</a:t>
+              <a:t>7/1/16</a:t>
             </a:fld>
             <a:endParaRPr lang="en-US"/>
           </a:p>
@@ -598,7 +598,7 @@
           <a:p>
             <a:fld id="{29CD8D3B-7919-664C-88D9-0BD9DCF8016B}" type="datetimeFigureOut">
               <a:rPr lang="en-US" smtClean="0"/>
-              <a:t>6/29/16</a:t>
+              <a:t>7/1/16</a:t>
             </a:fld>
             <a:endParaRPr lang="en-US"/>
           </a:p>
@@ -768,7 +768,7 @@
           <a:p>
             <a:fld id="{29CD8D3B-7919-664C-88D9-0BD9DCF8016B}" type="datetimeFigureOut">
               <a:rPr lang="en-US" smtClean="0"/>
-              <a:t>6/29/16</a:t>
+              <a:t>7/1/16</a:t>
             </a:fld>
             <a:endParaRPr lang="en-US"/>
           </a:p>
@@ -1014,7 +1014,7 @@
           <a:p>
             <a:fld id="{29CD8D3B-7919-664C-88D9-0BD9DCF8016B}" type="datetimeFigureOut">
               <a:rPr lang="en-US" smtClean="0"/>
-              <a:t>6/29/16</a:t>
+              <a:t>7/1/16</a:t>
             </a:fld>
             <a:endParaRPr lang="en-US"/>
           </a:p>
@@ -1246,7 +1246,7 @@
           <a:p>
             <a:fld id="{29CD8D3B-7919-664C-88D9-0BD9DCF8016B}" type="datetimeFigureOut">
               <a:rPr lang="en-US" smtClean="0"/>
-              <a:t>6/29/16</a:t>
+              <a:t>7/1/16</a:t>
             </a:fld>
             <a:endParaRPr lang="en-US"/>
           </a:p>
@@ -1613,7 +1613,7 @@
           <a:p>
             <a:fld id="{29CD8D3B-7919-664C-88D9-0BD9DCF8016B}" type="datetimeFigureOut">
               <a:rPr lang="en-US" smtClean="0"/>
-              <a:t>6/29/16</a:t>
+              <a:t>7/1/16</a:t>
             </a:fld>
             <a:endParaRPr lang="en-US"/>
           </a:p>
@@ -1731,7 +1731,7 @@
           <a:p>
             <a:fld id="{29CD8D3B-7919-664C-88D9-0BD9DCF8016B}" type="datetimeFigureOut">
               <a:rPr lang="en-US" smtClean="0"/>
-              <a:t>6/29/16</a:t>
+              <a:t>7/1/16</a:t>
             </a:fld>
             <a:endParaRPr lang="en-US"/>
           </a:p>
@@ -1826,7 +1826,7 @@
           <a:p>
             <a:fld id="{29CD8D3B-7919-664C-88D9-0BD9DCF8016B}" type="datetimeFigureOut">
               <a:rPr lang="en-US" smtClean="0"/>
-              <a:t>6/29/16</a:t>
+              <a:t>7/1/16</a:t>
             </a:fld>
             <a:endParaRPr lang="en-US"/>
           </a:p>
@@ -2103,7 +2103,7 @@
           <a:p>
             <a:fld id="{29CD8D3B-7919-664C-88D9-0BD9DCF8016B}" type="datetimeFigureOut">
               <a:rPr lang="en-US" smtClean="0"/>
-              <a:t>6/29/16</a:t>
+              <a:t>7/1/16</a:t>
             </a:fld>
             <a:endParaRPr lang="en-US"/>
           </a:p>
@@ -2356,7 +2356,7 @@
           <a:p>
             <a:fld id="{29CD8D3B-7919-664C-88D9-0BD9DCF8016B}" type="datetimeFigureOut">
               <a:rPr lang="en-US" smtClean="0"/>
-              <a:t>6/29/16</a:t>
+              <a:t>7/1/16</a:t>
             </a:fld>
             <a:endParaRPr lang="en-US"/>
           </a:p>
@@ -2569,7 +2569,7 @@
           <a:p>
             <a:fld id="{29CD8D3B-7919-664C-88D9-0BD9DCF8016B}" type="datetimeFigureOut">
               <a:rPr lang="en-US" smtClean="0"/>
-              <a:t>6/29/16</a:t>
+              <a:t>7/1/16</a:t>
             </a:fld>
             <a:endParaRPr lang="en-US"/>
           </a:p>
@@ -5833,6 +5833,37 @@
           </a:p>
         </p:txBody>
       </p:sp>
+      <p:sp>
+        <p:nvSpPr>
+          <p:cNvPr id="3" name="TextBox 2"/>
+          <p:cNvSpPr txBox="1"/>
+          <p:nvPr/>
+        </p:nvSpPr>
+        <p:spPr>
+          <a:xfrm>
+            <a:off x="1879600" y="4664590"/>
+            <a:ext cx="4572000" cy="584775"/>
+          </a:xfrm>
+          <a:prstGeom prst="rect">
+            <a:avLst/>
+          </a:prstGeom>
+          <a:noFill/>
+        </p:spPr>
+        <p:txBody>
+          <a:bodyPr wrap="square" rtlCol="0">
+            <a:spAutoFit/>
+          </a:bodyPr>
+          <a:lstStyle/>
+          <a:p>
+            <a:pPr algn="ctr"/>
+            <a:r>
+              <a:rPr lang="en-US" sz="3200" smtClean="0"/>
+              <a:t>New Observed Value:</a:t>
+            </a:r>
+            <a:endParaRPr lang="en-US" sz="3200" dirty="0" smtClean="0"/>
+          </a:p>
+        </p:txBody>
+      </p:sp>
     </p:spTree>
     <p:extLst>
       <p:ext uri="{BB962C8B-B14F-4D97-AF65-F5344CB8AC3E}">

--- a/Tool_Resources/drawings.pptx
+++ b/Tool_Resources/drawings.pptx
@@ -248,7 +248,7 @@
           <a:p>
             <a:fld id="{29CD8D3B-7919-664C-88D9-0BD9DCF8016B}" type="datetimeFigureOut">
               <a:rPr lang="en-US" smtClean="0"/>
-              <a:t>7/1/16</a:t>
+              <a:t>7/11/16</a:t>
             </a:fld>
             <a:endParaRPr lang="en-US"/>
           </a:p>
@@ -418,7 +418,7 @@
           <a:p>
             <a:fld id="{29CD8D3B-7919-664C-88D9-0BD9DCF8016B}" type="datetimeFigureOut">
               <a:rPr lang="en-US" smtClean="0"/>
-              <a:t>7/1/16</a:t>
+              <a:t>7/11/16</a:t>
             </a:fld>
             <a:endParaRPr lang="en-US"/>
           </a:p>
@@ -598,7 +598,7 @@
           <a:p>
             <a:fld id="{29CD8D3B-7919-664C-88D9-0BD9DCF8016B}" type="datetimeFigureOut">
               <a:rPr lang="en-US" smtClean="0"/>
-              <a:t>7/1/16</a:t>
+              <a:t>7/11/16</a:t>
             </a:fld>
             <a:endParaRPr lang="en-US"/>
           </a:p>
@@ -768,7 +768,7 @@
           <a:p>
             <a:fld id="{29CD8D3B-7919-664C-88D9-0BD9DCF8016B}" type="datetimeFigureOut">
               <a:rPr lang="en-US" smtClean="0"/>
-              <a:t>7/1/16</a:t>
+              <a:t>7/11/16</a:t>
             </a:fld>
             <a:endParaRPr lang="en-US"/>
           </a:p>
@@ -1014,7 +1014,7 @@
           <a:p>
             <a:fld id="{29CD8D3B-7919-664C-88D9-0BD9DCF8016B}" type="datetimeFigureOut">
               <a:rPr lang="en-US" smtClean="0"/>
-              <a:t>7/1/16</a:t>
+              <a:t>7/11/16</a:t>
             </a:fld>
             <a:endParaRPr lang="en-US"/>
           </a:p>
@@ -1246,7 +1246,7 @@
           <a:p>
             <a:fld id="{29CD8D3B-7919-664C-88D9-0BD9DCF8016B}" type="datetimeFigureOut">
               <a:rPr lang="en-US" smtClean="0"/>
-              <a:t>7/1/16</a:t>
+              <a:t>7/11/16</a:t>
             </a:fld>
             <a:endParaRPr lang="en-US"/>
           </a:p>
@@ -1613,7 +1613,7 @@
           <a:p>
             <a:fld id="{29CD8D3B-7919-664C-88D9-0BD9DCF8016B}" type="datetimeFigureOut">
               <a:rPr lang="en-US" smtClean="0"/>
-              <a:t>7/1/16</a:t>
+              <a:t>7/11/16</a:t>
             </a:fld>
             <a:endParaRPr lang="en-US"/>
           </a:p>
@@ -1731,7 +1731,7 @@
           <a:p>
             <a:fld id="{29CD8D3B-7919-664C-88D9-0BD9DCF8016B}" type="datetimeFigureOut">
               <a:rPr lang="en-US" smtClean="0"/>
-              <a:t>7/1/16</a:t>
+              <a:t>7/11/16</a:t>
             </a:fld>
             <a:endParaRPr lang="en-US"/>
           </a:p>
@@ -1826,7 +1826,7 @@
           <a:p>
             <a:fld id="{29CD8D3B-7919-664C-88D9-0BD9DCF8016B}" type="datetimeFigureOut">
               <a:rPr lang="en-US" smtClean="0"/>
-              <a:t>7/1/16</a:t>
+              <a:t>7/11/16</a:t>
             </a:fld>
             <a:endParaRPr lang="en-US"/>
           </a:p>
@@ -2103,7 +2103,7 @@
           <a:p>
             <a:fld id="{29CD8D3B-7919-664C-88D9-0BD9DCF8016B}" type="datetimeFigureOut">
               <a:rPr lang="en-US" smtClean="0"/>
-              <a:t>7/1/16</a:t>
+              <a:t>7/11/16</a:t>
             </a:fld>
             <a:endParaRPr lang="en-US"/>
           </a:p>
@@ -2356,7 +2356,7 @@
           <a:p>
             <a:fld id="{29CD8D3B-7919-664C-88D9-0BD9DCF8016B}" type="datetimeFigureOut">
               <a:rPr lang="en-US" smtClean="0"/>
-              <a:t>7/1/16</a:t>
+              <a:t>7/11/16</a:t>
             </a:fld>
             <a:endParaRPr lang="en-US"/>
           </a:p>
@@ -2569,7 +2569,7 @@
           <a:p>
             <a:fld id="{29CD8D3B-7919-664C-88D9-0BD9DCF8016B}" type="datetimeFigureOut">
               <a:rPr lang="en-US" smtClean="0"/>
-              <a:t>7/1/16</a:t>
+              <a:t>7/11/16</a:t>
             </a:fld>
             <a:endParaRPr lang="en-US"/>
           </a:p>
@@ -4324,10 +4324,10 @@
         </p:nvGrpSpPr>
         <p:grpSpPr>
           <a:xfrm>
-            <a:off x="2291938" y="1520042"/>
-            <a:ext cx="6623462" cy="2149434"/>
-            <a:chOff x="2291938" y="1520042"/>
-            <a:chExt cx="6623462" cy="2149434"/>
+            <a:off x="1961333" y="1520042"/>
+            <a:ext cx="6954067" cy="2149434"/>
+            <a:chOff x="1961333" y="1520042"/>
+            <a:chExt cx="6954067" cy="2149434"/>
           </a:xfrm>
         </p:grpSpPr>
         <p:sp>
@@ -4413,9 +4413,9 @@
             <p:nvPr/>
           </p:nvCxnSpPr>
           <p:spPr>
-            <a:xfrm flipV="1">
-              <a:off x="2291938" y="2137558"/>
-              <a:ext cx="1733796" cy="11876"/>
+            <a:xfrm>
+              <a:off x="2028111" y="2137558"/>
+              <a:ext cx="1997623" cy="0"/>
             </a:xfrm>
             <a:prstGeom prst="straightConnector1">
               <a:avLst/>
@@ -4449,9 +4449,9 @@
             <p:nvPr/>
           </p:nvCxnSpPr>
           <p:spPr>
-            <a:xfrm flipV="1">
-              <a:off x="2291938" y="3332946"/>
-              <a:ext cx="1733796" cy="11876"/>
+            <a:xfrm>
+              <a:off x="2028111" y="3332946"/>
+              <a:ext cx="1997623" cy="0"/>
             </a:xfrm>
             <a:prstGeom prst="straightConnector1">
               <a:avLst/>
@@ -4582,8 +4582,8 @@
           </p:nvSpPr>
           <p:spPr>
             <a:xfrm>
-              <a:off x="2406782" y="2173068"/>
-              <a:ext cx="1226386" cy="646331"/>
+              <a:off x="1961333" y="2210912"/>
+              <a:ext cx="1718994" cy="369332"/>
             </a:xfrm>
             <a:prstGeom prst="rect">
               <a:avLst/>
@@ -4620,8 +4620,8 @@
           </p:nvSpPr>
           <p:spPr>
             <a:xfrm>
-              <a:off x="2565930" y="2915066"/>
-              <a:ext cx="912042" cy="369332"/>
+              <a:off x="1961333" y="2867810"/>
+              <a:ext cx="2028588" cy="369332"/>
             </a:xfrm>
             <a:prstGeom prst="rect">
               <a:avLst/>
@@ -4635,12 +4635,12 @@
             <a:lstStyle/>
             <a:p>
               <a:r>
-                <a:rPr lang="en-US" smtClean="0">
+                <a:rPr lang="en-US" dirty="0" smtClean="0">
                   <a:latin typeface="Times New Roman" charset="0"/>
                   <a:ea typeface="Times New Roman" charset="0"/>
                   <a:cs typeface="Times New Roman" charset="0"/>
                 </a:rPr>
-                <a:t>Bounds</a:t>
+                <a:t>Design &amp; Bounds</a:t>
               </a:r>
               <a:endParaRPr lang="en-US" dirty="0">
                 <a:latin typeface="Times New Roman" charset="0"/>

--- a/Tool_Resources/drawings.pptx
+++ b/Tool_Resources/drawings.pptx
@@ -248,7 +248,7 @@
           <a:p>
             <a:fld id="{29CD8D3B-7919-664C-88D9-0BD9DCF8016B}" type="datetimeFigureOut">
               <a:rPr lang="en-US" smtClean="0"/>
-              <a:t>7/11/16</a:t>
+              <a:t>7/12/16</a:t>
             </a:fld>
             <a:endParaRPr lang="en-US"/>
           </a:p>
@@ -418,7 +418,7 @@
           <a:p>
             <a:fld id="{29CD8D3B-7919-664C-88D9-0BD9DCF8016B}" type="datetimeFigureOut">
               <a:rPr lang="en-US" smtClean="0"/>
-              <a:t>7/11/16</a:t>
+              <a:t>7/12/16</a:t>
             </a:fld>
             <a:endParaRPr lang="en-US"/>
           </a:p>
@@ -598,7 +598,7 @@
           <a:p>
             <a:fld id="{29CD8D3B-7919-664C-88D9-0BD9DCF8016B}" type="datetimeFigureOut">
               <a:rPr lang="en-US" smtClean="0"/>
-              <a:t>7/11/16</a:t>
+              <a:t>7/12/16</a:t>
             </a:fld>
             <a:endParaRPr lang="en-US"/>
           </a:p>
@@ -768,7 +768,7 @@
           <a:p>
             <a:fld id="{29CD8D3B-7919-664C-88D9-0BD9DCF8016B}" type="datetimeFigureOut">
               <a:rPr lang="en-US" smtClean="0"/>
-              <a:t>7/11/16</a:t>
+              <a:t>7/12/16</a:t>
             </a:fld>
             <a:endParaRPr lang="en-US"/>
           </a:p>
@@ -1014,7 +1014,7 @@
           <a:p>
             <a:fld id="{29CD8D3B-7919-664C-88D9-0BD9DCF8016B}" type="datetimeFigureOut">
               <a:rPr lang="en-US" smtClean="0"/>
-              <a:t>7/11/16</a:t>
+              <a:t>7/12/16</a:t>
             </a:fld>
             <a:endParaRPr lang="en-US"/>
           </a:p>
@@ -1246,7 +1246,7 @@
           <a:p>
             <a:fld id="{29CD8D3B-7919-664C-88D9-0BD9DCF8016B}" type="datetimeFigureOut">
               <a:rPr lang="en-US" smtClean="0"/>
-              <a:t>7/11/16</a:t>
+              <a:t>7/12/16</a:t>
             </a:fld>
             <a:endParaRPr lang="en-US"/>
           </a:p>
@@ -1613,7 +1613,7 @@
           <a:p>
             <a:fld id="{29CD8D3B-7919-664C-88D9-0BD9DCF8016B}" type="datetimeFigureOut">
               <a:rPr lang="en-US" smtClean="0"/>
-              <a:t>7/11/16</a:t>
+              <a:t>7/12/16</a:t>
             </a:fld>
             <a:endParaRPr lang="en-US"/>
           </a:p>
@@ -1731,7 +1731,7 @@
           <a:p>
             <a:fld id="{29CD8D3B-7919-664C-88D9-0BD9DCF8016B}" type="datetimeFigureOut">
               <a:rPr lang="en-US" smtClean="0"/>
-              <a:t>7/11/16</a:t>
+              <a:t>7/12/16</a:t>
             </a:fld>
             <a:endParaRPr lang="en-US"/>
           </a:p>
@@ -1826,7 +1826,7 @@
           <a:p>
             <a:fld id="{29CD8D3B-7919-664C-88D9-0BD9DCF8016B}" type="datetimeFigureOut">
               <a:rPr lang="en-US" smtClean="0"/>
-              <a:t>7/11/16</a:t>
+              <a:t>7/12/16</a:t>
             </a:fld>
             <a:endParaRPr lang="en-US"/>
           </a:p>
@@ -2103,7 +2103,7 @@
           <a:p>
             <a:fld id="{29CD8D3B-7919-664C-88D9-0BD9DCF8016B}" type="datetimeFigureOut">
               <a:rPr lang="en-US" smtClean="0"/>
-              <a:t>7/11/16</a:t>
+              <a:t>7/12/16</a:t>
             </a:fld>
             <a:endParaRPr lang="en-US"/>
           </a:p>
@@ -2356,7 +2356,7 @@
           <a:p>
             <a:fld id="{29CD8D3B-7919-664C-88D9-0BD9DCF8016B}" type="datetimeFigureOut">
               <a:rPr lang="en-US" smtClean="0"/>
-              <a:t>7/11/16</a:t>
+              <a:t>7/12/16</a:t>
             </a:fld>
             <a:endParaRPr lang="en-US"/>
           </a:p>
@@ -2569,7 +2569,7 @@
           <a:p>
             <a:fld id="{29CD8D3B-7919-664C-88D9-0BD9DCF8016B}" type="datetimeFigureOut">
               <a:rPr lang="en-US" smtClean="0"/>
-              <a:t>7/11/16</a:t>
+              <a:t>7/12/16</a:t>
             </a:fld>
             <a:endParaRPr lang="en-US"/>
           </a:p>
@@ -5804,7 +5804,7 @@
         <p:spPr>
           <a:xfrm>
             <a:off x="3771900" y="1016000"/>
-            <a:ext cx="4064000" cy="2554545"/>
+            <a:ext cx="4064000" cy="1569660"/>
           </a:xfrm>
           <a:prstGeom prst="rect">
             <a:avLst/>
@@ -5827,7 +5827,11 @@
             <a:pPr algn="ctr"/>
             <a:r>
               <a:rPr lang="en-US" sz="3200" dirty="0" smtClean="0"/>
-              <a:t>No Pareto front generated for this iteration, run the proposed experiment</a:t>
+              <a:t>No Pareto front </a:t>
+            </a:r>
+            <a:r>
+              <a:rPr lang="en-US" sz="3200" dirty="0" smtClean="0"/>
+              <a:t>available</a:t>
             </a:r>
             <a:endParaRPr lang="en-US" sz="3200" dirty="0"/>
           </a:p>

--- a/Tool_Resources/drawings.pptx
+++ b/Tool_Resources/drawings.pptx
@@ -248,7 +248,7 @@
           <a:p>
             <a:fld id="{29CD8D3B-7919-664C-88D9-0BD9DCF8016B}" type="datetimeFigureOut">
               <a:rPr lang="en-US" smtClean="0"/>
-              <a:t>7/12/16</a:t>
+              <a:t>7/26/16</a:t>
             </a:fld>
             <a:endParaRPr lang="en-US"/>
           </a:p>
@@ -418,7 +418,7 @@
           <a:p>
             <a:fld id="{29CD8D3B-7919-664C-88D9-0BD9DCF8016B}" type="datetimeFigureOut">
               <a:rPr lang="en-US" smtClean="0"/>
-              <a:t>7/12/16</a:t>
+              <a:t>7/26/16</a:t>
             </a:fld>
             <a:endParaRPr lang="en-US"/>
           </a:p>
@@ -598,7 +598,7 @@
           <a:p>
             <a:fld id="{29CD8D3B-7919-664C-88D9-0BD9DCF8016B}" type="datetimeFigureOut">
               <a:rPr lang="en-US" smtClean="0"/>
-              <a:t>7/12/16</a:t>
+              <a:t>7/26/16</a:t>
             </a:fld>
             <a:endParaRPr lang="en-US"/>
           </a:p>
@@ -768,7 +768,7 @@
           <a:p>
             <a:fld id="{29CD8D3B-7919-664C-88D9-0BD9DCF8016B}" type="datetimeFigureOut">
               <a:rPr lang="en-US" smtClean="0"/>
-              <a:t>7/12/16</a:t>
+              <a:t>7/26/16</a:t>
             </a:fld>
             <a:endParaRPr lang="en-US"/>
           </a:p>
@@ -1014,7 +1014,7 @@
           <a:p>
             <a:fld id="{29CD8D3B-7919-664C-88D9-0BD9DCF8016B}" type="datetimeFigureOut">
               <a:rPr lang="en-US" smtClean="0"/>
-              <a:t>7/12/16</a:t>
+              <a:t>7/26/16</a:t>
             </a:fld>
             <a:endParaRPr lang="en-US"/>
           </a:p>
@@ -1246,7 +1246,7 @@
           <a:p>
             <a:fld id="{29CD8D3B-7919-664C-88D9-0BD9DCF8016B}" type="datetimeFigureOut">
               <a:rPr lang="en-US" smtClean="0"/>
-              <a:t>7/12/16</a:t>
+              <a:t>7/26/16</a:t>
             </a:fld>
             <a:endParaRPr lang="en-US"/>
           </a:p>
@@ -1613,7 +1613,7 @@
           <a:p>
             <a:fld id="{29CD8D3B-7919-664C-88D9-0BD9DCF8016B}" type="datetimeFigureOut">
               <a:rPr lang="en-US" smtClean="0"/>
-              <a:t>7/12/16</a:t>
+              <a:t>7/26/16</a:t>
             </a:fld>
             <a:endParaRPr lang="en-US"/>
           </a:p>
@@ -1731,7 +1731,7 @@
           <a:p>
             <a:fld id="{29CD8D3B-7919-664C-88D9-0BD9DCF8016B}" type="datetimeFigureOut">
               <a:rPr lang="en-US" smtClean="0"/>
-              <a:t>7/12/16</a:t>
+              <a:t>7/26/16</a:t>
             </a:fld>
             <a:endParaRPr lang="en-US"/>
           </a:p>
@@ -1826,7 +1826,7 @@
           <a:p>
             <a:fld id="{29CD8D3B-7919-664C-88D9-0BD9DCF8016B}" type="datetimeFigureOut">
               <a:rPr lang="en-US" smtClean="0"/>
-              <a:t>7/12/16</a:t>
+              <a:t>7/26/16</a:t>
             </a:fld>
             <a:endParaRPr lang="en-US"/>
           </a:p>
@@ -2103,7 +2103,7 @@
           <a:p>
             <a:fld id="{29CD8D3B-7919-664C-88D9-0BD9DCF8016B}" type="datetimeFigureOut">
               <a:rPr lang="en-US" smtClean="0"/>
-              <a:t>7/12/16</a:t>
+              <a:t>7/26/16</a:t>
             </a:fld>
             <a:endParaRPr lang="en-US"/>
           </a:p>
@@ -2356,7 +2356,7 @@
           <a:p>
             <a:fld id="{29CD8D3B-7919-664C-88D9-0BD9DCF8016B}" type="datetimeFigureOut">
               <a:rPr lang="en-US" smtClean="0"/>
-              <a:t>7/12/16</a:t>
+              <a:t>7/26/16</a:t>
             </a:fld>
             <a:endParaRPr lang="en-US"/>
           </a:p>
@@ -2569,7 +2569,7 @@
           <a:p>
             <a:fld id="{29CD8D3B-7919-664C-88D9-0BD9DCF8016B}" type="datetimeFigureOut">
               <a:rPr lang="en-US" smtClean="0"/>
-              <a:t>7/12/16</a:t>
+              <a:t>7/26/16</a:t>
             </a:fld>
             <a:endParaRPr lang="en-US"/>
           </a:p>
@@ -4324,10 +4324,10 @@
         </p:nvGrpSpPr>
         <p:grpSpPr>
           <a:xfrm>
-            <a:off x="1961333" y="1520042"/>
-            <a:ext cx="6954067" cy="2149434"/>
-            <a:chOff x="1961333" y="1520042"/>
-            <a:chExt cx="6954067" cy="2149434"/>
+            <a:off x="1873314" y="1520042"/>
+            <a:ext cx="7042086" cy="2149434"/>
+            <a:chOff x="1873314" y="1520042"/>
+            <a:chExt cx="7042086" cy="2149434"/>
           </a:xfrm>
         </p:grpSpPr>
         <p:sp>
@@ -4620,7 +4620,7 @@
           </p:nvSpPr>
           <p:spPr>
             <a:xfrm>
-              <a:off x="1961333" y="2867810"/>
+              <a:off x="1873314" y="2867810"/>
               <a:ext cx="2028588" cy="369332"/>
             </a:xfrm>
             <a:prstGeom prst="rect">
@@ -4635,12 +4635,20 @@
             <a:lstStyle/>
             <a:p>
               <a:r>
+                <a:rPr lang="en-US" smtClean="0">
+                  <a:latin typeface="Times New Roman" charset="0"/>
+                  <a:ea typeface="Times New Roman" charset="0"/>
+                  <a:cs typeface="Times New Roman" charset="0"/>
+                </a:rPr>
+                <a:t>Designs </a:t>
+              </a:r>
+              <a:r>
                 <a:rPr lang="en-US" dirty="0" smtClean="0">
                   <a:latin typeface="Times New Roman" charset="0"/>
                   <a:ea typeface="Times New Roman" charset="0"/>
                   <a:cs typeface="Times New Roman" charset="0"/>
                 </a:rPr>
-                <a:t>Design &amp; Bounds</a:t>
+                <a:t>&amp; Bounds</a:t>
               </a:r>
               <a:endParaRPr lang="en-US" dirty="0">
                 <a:latin typeface="Times New Roman" charset="0"/>
@@ -5827,11 +5835,7 @@
             <a:pPr algn="ctr"/>
             <a:r>
               <a:rPr lang="en-US" sz="3200" dirty="0" smtClean="0"/>
-              <a:t>No Pareto front </a:t>
-            </a:r>
-            <a:r>
-              <a:rPr lang="en-US" sz="3200" dirty="0" smtClean="0"/>
-              <a:t>available</a:t>
+              <a:t>No Pareto front available</a:t>
             </a:r>
             <a:endParaRPr lang="en-US" sz="3200" dirty="0"/>
           </a:p>
